--- a/簡報及DB/資料庫程式開發概述.pptx
+++ b/簡報及DB/資料庫程式開發概述.pptx
@@ -1541,870 +1541,6 @@
       <dsp:cNvGrpSpPr/>
     </dsp:nvGrpSpPr>
     <dsp:grpSpPr/>
-    <dsp:sp modelId="{6E72EB0F-FF1A-406F-B934-AD199277ED3B}">
-      <dsp:nvSpPr>
-        <dsp:cNvPr id="0" name=""/>
-        <dsp:cNvSpPr/>
-      </dsp:nvSpPr>
-      <dsp:spPr>
-        <a:xfrm>
-          <a:off x="298" y="529993"/>
-          <a:ext cx="1200474" cy="600237"/>
-        </a:xfrm>
-        <a:prstGeom prst="roundRect">
-          <a:avLst>
-            <a:gd name="adj" fmla="val 10000"/>
-          </a:avLst>
-        </a:prstGeom>
-        <a:solidFill>
-          <a:schemeClr val="accent4">
-            <a:hueOff val="0"/>
-            <a:satOff val="0"/>
-            <a:lumOff val="0"/>
-            <a:alphaOff val="0"/>
-          </a:schemeClr>
-        </a:solidFill>
-        <a:ln w="25400" cap="flat" cmpd="sng" algn="ctr">
-          <a:solidFill>
-            <a:schemeClr val="lt1">
-              <a:hueOff val="0"/>
-              <a:satOff val="0"/>
-              <a:lumOff val="0"/>
-              <a:alphaOff val="0"/>
-            </a:schemeClr>
-          </a:solidFill>
-          <a:prstDash val="solid"/>
-        </a:ln>
-        <a:effectLst/>
-      </dsp:spPr>
-      <dsp:style>
-        <a:lnRef idx="2">
-          <a:scrgbClr r="0" g="0" b="0"/>
-        </a:lnRef>
-        <a:fillRef idx="1">
-          <a:scrgbClr r="0" g="0" b="0"/>
-        </a:fillRef>
-        <a:effectRef idx="0">
-          <a:scrgbClr r="0" g="0" b="0"/>
-        </a:effectRef>
-        <a:fontRef idx="minor">
-          <a:schemeClr val="lt1"/>
-        </a:fontRef>
-      </dsp:style>
-      <dsp:txBody>
-        <a:bodyPr spcFirstLastPara="0" vert="horz" wrap="square" lIns="12065" tIns="12065" rIns="12065" bIns="12065" numCol="1" spcCol="1270" anchor="ctr" anchorCtr="0">
-          <a:noAutofit/>
-        </a:bodyPr>
-        <a:lstStyle/>
-        <a:p>
-          <a:pPr lvl="0" algn="ctr" defTabSz="844550">
-            <a:lnSpc>
-              <a:spcPct val="90000"/>
-            </a:lnSpc>
-            <a:spcBef>
-              <a:spcPct val="0"/>
-            </a:spcBef>
-            <a:spcAft>
-              <a:spcPct val="35000"/>
-            </a:spcAft>
-          </a:pPr>
-          <a:r>
-            <a:rPr lang="en-US" altLang="zh-TW" sz="1900" kern="1200" dirty="0" err="1" smtClean="0"/>
-            <a:t>DataSet</a:t>
-          </a:r>
-          <a:endParaRPr lang="zh-TW" altLang="en-US" sz="1900" kern="1200" dirty="0"/>
-        </a:p>
-      </dsp:txBody>
-      <dsp:txXfrm>
-        <a:off x="17878" y="547573"/>
-        <a:ext cx="1165314" cy="565077"/>
-      </dsp:txXfrm>
-    </dsp:sp>
-    <dsp:sp modelId="{A45ED2A3-FC42-496D-A3AC-C13583517347}">
-      <dsp:nvSpPr>
-        <dsp:cNvPr id="0" name=""/>
-        <dsp:cNvSpPr/>
-      </dsp:nvSpPr>
-      <dsp:spPr>
-        <a:xfrm rot="18770822">
-          <a:off x="1087809" y="544321"/>
-          <a:ext cx="706116" cy="53876"/>
-        </a:xfrm>
-        <a:custGeom>
-          <a:avLst/>
-          <a:gdLst/>
-          <a:ahLst/>
-          <a:cxnLst/>
-          <a:rect l="0" t="0" r="0" b="0"/>
-          <a:pathLst>
-            <a:path>
-              <a:moveTo>
-                <a:pt x="0" y="26938"/>
-              </a:moveTo>
-              <a:lnTo>
-                <a:pt x="706116" y="26938"/>
-              </a:lnTo>
-            </a:path>
-          </a:pathLst>
-        </a:custGeom>
-        <a:noFill/>
-        <a:ln w="25400" cap="flat" cmpd="sng" algn="ctr">
-          <a:solidFill>
-            <a:schemeClr val="accent6">
-              <a:hueOff val="0"/>
-              <a:satOff val="0"/>
-              <a:lumOff val="0"/>
-              <a:alphaOff val="0"/>
-            </a:schemeClr>
-          </a:solidFill>
-          <a:prstDash val="solid"/>
-        </a:ln>
-        <a:effectLst/>
-      </dsp:spPr>
-      <dsp:style>
-        <a:lnRef idx="2">
-          <a:scrgbClr r="0" g="0" b="0"/>
-        </a:lnRef>
-        <a:fillRef idx="0">
-          <a:scrgbClr r="0" g="0" b="0"/>
-        </a:fillRef>
-        <a:effectRef idx="0">
-          <a:scrgbClr r="0" g="0" b="0"/>
-        </a:effectRef>
-        <a:fontRef idx="minor"/>
-      </dsp:style>
-      <dsp:txBody>
-        <a:bodyPr spcFirstLastPara="0" vert="horz" wrap="square" lIns="12700" tIns="0" rIns="12700" bIns="0" numCol="1" spcCol="1270" anchor="ctr" anchorCtr="0">
-          <a:noAutofit/>
-        </a:bodyPr>
-        <a:lstStyle/>
-        <a:p>
-          <a:pPr lvl="0" algn="ctr" defTabSz="222250">
-            <a:lnSpc>
-              <a:spcPct val="90000"/>
-            </a:lnSpc>
-            <a:spcBef>
-              <a:spcPct val="0"/>
-            </a:spcBef>
-            <a:spcAft>
-              <a:spcPct val="35000"/>
-            </a:spcAft>
-          </a:pPr>
-          <a:endParaRPr lang="zh-TW" altLang="en-US" sz="500" kern="1200"/>
-        </a:p>
-      </dsp:txBody>
-      <dsp:txXfrm>
-        <a:off x="1423215" y="553606"/>
-        <a:ext cx="35305" cy="35305"/>
-      </dsp:txXfrm>
-    </dsp:sp>
-    <dsp:sp modelId="{8EAC670A-1184-4AEB-A6EC-439218C7C28B}">
-      <dsp:nvSpPr>
-        <dsp:cNvPr id="0" name=""/>
-        <dsp:cNvSpPr/>
-      </dsp:nvSpPr>
-      <dsp:spPr>
-        <a:xfrm>
-          <a:off x="1680962" y="12288"/>
-          <a:ext cx="1200474" cy="600237"/>
-        </a:xfrm>
-        <a:prstGeom prst="roundRect">
-          <a:avLst>
-            <a:gd name="adj" fmla="val 10000"/>
-          </a:avLst>
-        </a:prstGeom>
-        <a:solidFill>
-          <a:schemeClr val="accent6">
-            <a:hueOff val="0"/>
-            <a:satOff val="0"/>
-            <a:lumOff val="0"/>
-            <a:alphaOff val="0"/>
-          </a:schemeClr>
-        </a:solidFill>
-        <a:ln w="25400" cap="flat" cmpd="sng" algn="ctr">
-          <a:solidFill>
-            <a:schemeClr val="lt1">
-              <a:hueOff val="0"/>
-              <a:satOff val="0"/>
-              <a:lumOff val="0"/>
-              <a:alphaOff val="0"/>
-            </a:schemeClr>
-          </a:solidFill>
-          <a:prstDash val="solid"/>
-        </a:ln>
-        <a:effectLst/>
-      </dsp:spPr>
-      <dsp:style>
-        <a:lnRef idx="2">
-          <a:scrgbClr r="0" g="0" b="0"/>
-        </a:lnRef>
-        <a:fillRef idx="1">
-          <a:scrgbClr r="0" g="0" b="0"/>
-        </a:fillRef>
-        <a:effectRef idx="0">
-          <a:scrgbClr r="0" g="0" b="0"/>
-        </a:effectRef>
-        <a:fontRef idx="minor">
-          <a:schemeClr val="lt1"/>
-        </a:fontRef>
-      </dsp:style>
-      <dsp:txBody>
-        <a:bodyPr spcFirstLastPara="0" vert="horz" wrap="square" lIns="12065" tIns="12065" rIns="12065" bIns="12065" numCol="1" spcCol="1270" anchor="ctr" anchorCtr="0">
-          <a:noAutofit/>
-        </a:bodyPr>
-        <a:lstStyle/>
-        <a:p>
-          <a:pPr lvl="0" algn="ctr" defTabSz="844550">
-            <a:lnSpc>
-              <a:spcPct val="90000"/>
-            </a:lnSpc>
-            <a:spcBef>
-              <a:spcPct val="0"/>
-            </a:spcBef>
-            <a:spcAft>
-              <a:spcPct val="35000"/>
-            </a:spcAft>
-          </a:pPr>
-          <a:r>
-            <a:rPr lang="en-US" altLang="zh-TW" sz="1900" kern="1200" dirty="0" smtClean="0"/>
-            <a:t>DataTable1</a:t>
-          </a:r>
-          <a:endParaRPr lang="zh-TW" altLang="en-US" sz="1900" kern="1200" dirty="0"/>
-        </a:p>
-      </dsp:txBody>
-      <dsp:txXfrm>
-        <a:off x="1698542" y="29868"/>
-        <a:ext cx="1165314" cy="565077"/>
-      </dsp:txXfrm>
-    </dsp:sp>
-    <dsp:sp modelId="{EF30B777-E76E-476C-BA1C-8BC29D6C8E73}">
-      <dsp:nvSpPr>
-        <dsp:cNvPr id="0" name=""/>
-        <dsp:cNvSpPr/>
-      </dsp:nvSpPr>
-      <dsp:spPr>
-        <a:xfrm>
-          <a:off x="2881437" y="285468"/>
-          <a:ext cx="480189" cy="53876"/>
-        </a:xfrm>
-        <a:custGeom>
-          <a:avLst/>
-          <a:gdLst/>
-          <a:ahLst/>
-          <a:cxnLst/>
-          <a:rect l="0" t="0" r="0" b="0"/>
-          <a:pathLst>
-            <a:path>
-              <a:moveTo>
-                <a:pt x="0" y="26938"/>
-              </a:moveTo>
-              <a:lnTo>
-                <a:pt x="480189" y="26938"/>
-              </a:lnTo>
-            </a:path>
-          </a:pathLst>
-        </a:custGeom>
-        <a:noFill/>
-        <a:ln w="25400" cap="flat" cmpd="sng" algn="ctr">
-          <a:solidFill>
-            <a:schemeClr val="accent1">
-              <a:hueOff val="0"/>
-              <a:satOff val="0"/>
-              <a:lumOff val="0"/>
-              <a:alphaOff val="0"/>
-            </a:schemeClr>
-          </a:solidFill>
-          <a:prstDash val="solid"/>
-        </a:ln>
-        <a:effectLst/>
-      </dsp:spPr>
-      <dsp:style>
-        <a:lnRef idx="2">
-          <a:scrgbClr r="0" g="0" b="0"/>
-        </a:lnRef>
-        <a:fillRef idx="0">
-          <a:scrgbClr r="0" g="0" b="0"/>
-        </a:fillRef>
-        <a:effectRef idx="0">
-          <a:scrgbClr r="0" g="0" b="0"/>
-        </a:effectRef>
-        <a:fontRef idx="minor"/>
-      </dsp:style>
-      <dsp:txBody>
-        <a:bodyPr spcFirstLastPara="0" vert="horz" wrap="square" lIns="12700" tIns="0" rIns="12700" bIns="0" numCol="1" spcCol="1270" anchor="ctr" anchorCtr="0">
-          <a:noAutofit/>
-        </a:bodyPr>
-        <a:lstStyle/>
-        <a:p>
-          <a:pPr lvl="0" algn="ctr" defTabSz="222250">
-            <a:lnSpc>
-              <a:spcPct val="90000"/>
-            </a:lnSpc>
-            <a:spcBef>
-              <a:spcPct val="0"/>
-            </a:spcBef>
-            <a:spcAft>
-              <a:spcPct val="35000"/>
-            </a:spcAft>
-          </a:pPr>
-          <a:endParaRPr lang="zh-TW" altLang="en-US" sz="500" kern="1200"/>
-        </a:p>
-      </dsp:txBody>
-      <dsp:txXfrm>
-        <a:off x="3109527" y="300402"/>
-        <a:ext cx="24009" cy="24009"/>
-      </dsp:txXfrm>
-    </dsp:sp>
-    <dsp:sp modelId="{155E8BBD-A61F-4451-84BA-03AEE4DA6997}">
-      <dsp:nvSpPr>
-        <dsp:cNvPr id="0" name=""/>
-        <dsp:cNvSpPr/>
-      </dsp:nvSpPr>
-      <dsp:spPr>
-        <a:xfrm>
-          <a:off x="3361626" y="12288"/>
-          <a:ext cx="1200474" cy="600237"/>
-        </a:xfrm>
-        <a:prstGeom prst="roundRect">
-          <a:avLst>
-            <a:gd name="adj" fmla="val 10000"/>
-          </a:avLst>
-        </a:prstGeom>
-        <a:solidFill>
-          <a:schemeClr val="accent1">
-            <a:hueOff val="0"/>
-            <a:satOff val="0"/>
-            <a:lumOff val="0"/>
-            <a:alphaOff val="0"/>
-          </a:schemeClr>
-        </a:solidFill>
-        <a:ln w="25400" cap="flat" cmpd="sng" algn="ctr">
-          <a:solidFill>
-            <a:schemeClr val="lt1">
-              <a:hueOff val="0"/>
-              <a:satOff val="0"/>
-              <a:lumOff val="0"/>
-              <a:alphaOff val="0"/>
-            </a:schemeClr>
-          </a:solidFill>
-          <a:prstDash val="solid"/>
-        </a:ln>
-        <a:effectLst/>
-      </dsp:spPr>
-      <dsp:style>
-        <a:lnRef idx="2">
-          <a:scrgbClr r="0" g="0" b="0"/>
-        </a:lnRef>
-        <a:fillRef idx="1">
-          <a:scrgbClr r="0" g="0" b="0"/>
-        </a:fillRef>
-        <a:effectRef idx="0">
-          <a:scrgbClr r="0" g="0" b="0"/>
-        </a:effectRef>
-        <a:fontRef idx="minor">
-          <a:schemeClr val="lt1"/>
-        </a:fontRef>
-      </dsp:style>
-      <dsp:txBody>
-        <a:bodyPr spcFirstLastPara="0" vert="horz" wrap="square" lIns="12065" tIns="12065" rIns="12065" bIns="12065" numCol="1" spcCol="1270" anchor="ctr" anchorCtr="0">
-          <a:noAutofit/>
-        </a:bodyPr>
-        <a:lstStyle/>
-        <a:p>
-          <a:pPr lvl="0" algn="ctr" defTabSz="844550">
-            <a:lnSpc>
-              <a:spcPct val="90000"/>
-            </a:lnSpc>
-            <a:spcBef>
-              <a:spcPct val="0"/>
-            </a:spcBef>
-            <a:spcAft>
-              <a:spcPct val="35000"/>
-            </a:spcAft>
-          </a:pPr>
-          <a:r>
-            <a:rPr lang="en-US" altLang="zh-TW" sz="1900" kern="1200" dirty="0" smtClean="0"/>
-            <a:t>DataRow1</a:t>
-          </a:r>
-          <a:endParaRPr lang="zh-TW" altLang="en-US" sz="1900" kern="1200" dirty="0"/>
-        </a:p>
-      </dsp:txBody>
-      <dsp:txXfrm>
-        <a:off x="3379206" y="29868"/>
-        <a:ext cx="1165314" cy="565077"/>
-      </dsp:txXfrm>
-    </dsp:sp>
-    <dsp:sp modelId="{C8F906B3-8F3B-4E7F-813B-AA94BF06722F}">
-      <dsp:nvSpPr>
-        <dsp:cNvPr id="0" name=""/>
-        <dsp:cNvSpPr/>
-      </dsp:nvSpPr>
-      <dsp:spPr>
-        <a:xfrm rot="2829178">
-          <a:off x="1087809" y="1062025"/>
-          <a:ext cx="706116" cy="53876"/>
-        </a:xfrm>
-        <a:custGeom>
-          <a:avLst/>
-          <a:gdLst/>
-          <a:ahLst/>
-          <a:cxnLst/>
-          <a:rect l="0" t="0" r="0" b="0"/>
-          <a:pathLst>
-            <a:path>
-              <a:moveTo>
-                <a:pt x="0" y="26938"/>
-              </a:moveTo>
-              <a:lnTo>
-                <a:pt x="706116" y="26938"/>
-              </a:lnTo>
-            </a:path>
-          </a:pathLst>
-        </a:custGeom>
-        <a:noFill/>
-        <a:ln w="25400" cap="flat" cmpd="sng" algn="ctr">
-          <a:solidFill>
-            <a:schemeClr val="accent6">
-              <a:hueOff val="0"/>
-              <a:satOff val="0"/>
-              <a:lumOff val="0"/>
-              <a:alphaOff val="0"/>
-            </a:schemeClr>
-          </a:solidFill>
-          <a:prstDash val="solid"/>
-        </a:ln>
-        <a:effectLst/>
-      </dsp:spPr>
-      <dsp:style>
-        <a:lnRef idx="2">
-          <a:scrgbClr r="0" g="0" b="0"/>
-        </a:lnRef>
-        <a:fillRef idx="0">
-          <a:scrgbClr r="0" g="0" b="0"/>
-        </a:fillRef>
-        <a:effectRef idx="0">
-          <a:scrgbClr r="0" g="0" b="0"/>
-        </a:effectRef>
-        <a:fontRef idx="minor"/>
-      </dsp:style>
-      <dsp:txBody>
-        <a:bodyPr spcFirstLastPara="0" vert="horz" wrap="square" lIns="12700" tIns="0" rIns="12700" bIns="0" numCol="1" spcCol="1270" anchor="ctr" anchorCtr="0">
-          <a:noAutofit/>
-        </a:bodyPr>
-        <a:lstStyle/>
-        <a:p>
-          <a:pPr lvl="0" algn="ctr" defTabSz="222250">
-            <a:lnSpc>
-              <a:spcPct val="90000"/>
-            </a:lnSpc>
-            <a:spcBef>
-              <a:spcPct val="0"/>
-            </a:spcBef>
-            <a:spcAft>
-              <a:spcPct val="35000"/>
-            </a:spcAft>
-          </a:pPr>
-          <a:endParaRPr lang="zh-TW" altLang="en-US" sz="500" kern="1200"/>
-        </a:p>
-      </dsp:txBody>
-      <dsp:txXfrm>
-        <a:off x="1423215" y="1071311"/>
-        <a:ext cx="35305" cy="35305"/>
-      </dsp:txXfrm>
-    </dsp:sp>
-    <dsp:sp modelId="{76E8EB8B-3E9C-4F1C-B23F-1042AACA9277}">
-      <dsp:nvSpPr>
-        <dsp:cNvPr id="0" name=""/>
-        <dsp:cNvSpPr/>
-      </dsp:nvSpPr>
-      <dsp:spPr>
-        <a:xfrm>
-          <a:off x="1680962" y="1047697"/>
-          <a:ext cx="1200474" cy="600237"/>
-        </a:xfrm>
-        <a:prstGeom prst="roundRect">
-          <a:avLst>
-            <a:gd name="adj" fmla="val 10000"/>
-          </a:avLst>
-        </a:prstGeom>
-        <a:solidFill>
-          <a:schemeClr val="accent6">
-            <a:hueOff val="0"/>
-            <a:satOff val="0"/>
-            <a:lumOff val="0"/>
-            <a:alphaOff val="0"/>
-          </a:schemeClr>
-        </a:solidFill>
-        <a:ln w="25400" cap="flat" cmpd="sng" algn="ctr">
-          <a:solidFill>
-            <a:schemeClr val="lt1">
-              <a:hueOff val="0"/>
-              <a:satOff val="0"/>
-              <a:lumOff val="0"/>
-              <a:alphaOff val="0"/>
-            </a:schemeClr>
-          </a:solidFill>
-          <a:prstDash val="solid"/>
-        </a:ln>
-        <a:effectLst/>
-      </dsp:spPr>
-      <dsp:style>
-        <a:lnRef idx="2">
-          <a:scrgbClr r="0" g="0" b="0"/>
-        </a:lnRef>
-        <a:fillRef idx="1">
-          <a:scrgbClr r="0" g="0" b="0"/>
-        </a:fillRef>
-        <a:effectRef idx="0">
-          <a:scrgbClr r="0" g="0" b="0"/>
-        </a:effectRef>
-        <a:fontRef idx="minor">
-          <a:schemeClr val="lt1"/>
-        </a:fontRef>
-      </dsp:style>
-      <dsp:txBody>
-        <a:bodyPr spcFirstLastPara="0" vert="horz" wrap="square" lIns="12065" tIns="12065" rIns="12065" bIns="12065" numCol="1" spcCol="1270" anchor="ctr" anchorCtr="0">
-          <a:noAutofit/>
-        </a:bodyPr>
-        <a:lstStyle/>
-        <a:p>
-          <a:pPr lvl="0" algn="ctr" defTabSz="844550">
-            <a:lnSpc>
-              <a:spcPct val="90000"/>
-            </a:lnSpc>
-            <a:spcBef>
-              <a:spcPct val="0"/>
-            </a:spcBef>
-            <a:spcAft>
-              <a:spcPct val="35000"/>
-            </a:spcAft>
-          </a:pPr>
-          <a:r>
-            <a:rPr lang="en-US" altLang="zh-TW" sz="1900" kern="1200" dirty="0" smtClean="0"/>
-            <a:t>DataTable2</a:t>
-          </a:r>
-          <a:endParaRPr lang="zh-TW" altLang="en-US" sz="1900" kern="1200" dirty="0"/>
-        </a:p>
-      </dsp:txBody>
-      <dsp:txXfrm>
-        <a:off x="1698542" y="1065277"/>
-        <a:ext cx="1165314" cy="565077"/>
-      </dsp:txXfrm>
-    </dsp:sp>
-    <dsp:sp modelId="{28D6D5E0-1F68-4559-AE95-1F3419ECF491}">
-      <dsp:nvSpPr>
-        <dsp:cNvPr id="0" name=""/>
-        <dsp:cNvSpPr/>
-      </dsp:nvSpPr>
-      <dsp:spPr>
-        <a:xfrm rot="19457599">
-          <a:off x="2825854" y="1148309"/>
-          <a:ext cx="591355" cy="53876"/>
-        </a:xfrm>
-        <a:custGeom>
-          <a:avLst/>
-          <a:gdLst/>
-          <a:ahLst/>
-          <a:cxnLst/>
-          <a:rect l="0" t="0" r="0" b="0"/>
-          <a:pathLst>
-            <a:path>
-              <a:moveTo>
-                <a:pt x="0" y="26938"/>
-              </a:moveTo>
-              <a:lnTo>
-                <a:pt x="591355" y="26938"/>
-              </a:lnTo>
-            </a:path>
-          </a:pathLst>
-        </a:custGeom>
-        <a:noFill/>
-        <a:ln w="25400" cap="flat" cmpd="sng" algn="ctr">
-          <a:solidFill>
-            <a:schemeClr val="accent1">
-              <a:hueOff val="0"/>
-              <a:satOff val="0"/>
-              <a:lumOff val="0"/>
-              <a:alphaOff val="0"/>
-            </a:schemeClr>
-          </a:solidFill>
-          <a:prstDash val="solid"/>
-        </a:ln>
-        <a:effectLst/>
-      </dsp:spPr>
-      <dsp:style>
-        <a:lnRef idx="2">
-          <a:scrgbClr r="0" g="0" b="0"/>
-        </a:lnRef>
-        <a:fillRef idx="0">
-          <a:scrgbClr r="0" g="0" b="0"/>
-        </a:fillRef>
-        <a:effectRef idx="0">
-          <a:scrgbClr r="0" g="0" b="0"/>
-        </a:effectRef>
-        <a:fontRef idx="minor"/>
-      </dsp:style>
-      <dsp:txBody>
-        <a:bodyPr spcFirstLastPara="0" vert="horz" wrap="square" lIns="12700" tIns="0" rIns="12700" bIns="0" numCol="1" spcCol="1270" anchor="ctr" anchorCtr="0">
-          <a:noAutofit/>
-        </a:bodyPr>
-        <a:lstStyle/>
-        <a:p>
-          <a:pPr lvl="0" algn="ctr" defTabSz="222250">
-            <a:lnSpc>
-              <a:spcPct val="90000"/>
-            </a:lnSpc>
-            <a:spcBef>
-              <a:spcPct val="0"/>
-            </a:spcBef>
-            <a:spcAft>
-              <a:spcPct val="35000"/>
-            </a:spcAft>
-          </a:pPr>
-          <a:endParaRPr lang="zh-TW" altLang="en-US" sz="500" kern="1200"/>
-        </a:p>
-      </dsp:txBody>
-      <dsp:txXfrm>
-        <a:off x="3106748" y="1160464"/>
-        <a:ext cx="29567" cy="29567"/>
-      </dsp:txXfrm>
-    </dsp:sp>
-    <dsp:sp modelId="{E966AD9F-F754-43FE-91E4-F5CAD423C3B0}">
-      <dsp:nvSpPr>
-        <dsp:cNvPr id="0" name=""/>
-        <dsp:cNvSpPr/>
-      </dsp:nvSpPr>
-      <dsp:spPr>
-        <a:xfrm>
-          <a:off x="3361626" y="702561"/>
-          <a:ext cx="1200474" cy="600237"/>
-        </a:xfrm>
-        <a:prstGeom prst="roundRect">
-          <a:avLst>
-            <a:gd name="adj" fmla="val 10000"/>
-          </a:avLst>
-        </a:prstGeom>
-        <a:solidFill>
-          <a:schemeClr val="accent1">
-            <a:hueOff val="0"/>
-            <a:satOff val="0"/>
-            <a:lumOff val="0"/>
-            <a:alphaOff val="0"/>
-          </a:schemeClr>
-        </a:solidFill>
-        <a:ln w="25400" cap="flat" cmpd="sng" algn="ctr">
-          <a:solidFill>
-            <a:schemeClr val="lt1">
-              <a:hueOff val="0"/>
-              <a:satOff val="0"/>
-              <a:lumOff val="0"/>
-              <a:alphaOff val="0"/>
-            </a:schemeClr>
-          </a:solidFill>
-          <a:prstDash val="solid"/>
-        </a:ln>
-        <a:effectLst/>
-      </dsp:spPr>
-      <dsp:style>
-        <a:lnRef idx="2">
-          <a:scrgbClr r="0" g="0" b="0"/>
-        </a:lnRef>
-        <a:fillRef idx="1">
-          <a:scrgbClr r="0" g="0" b="0"/>
-        </a:fillRef>
-        <a:effectRef idx="0">
-          <a:scrgbClr r="0" g="0" b="0"/>
-        </a:effectRef>
-        <a:fontRef idx="minor">
-          <a:schemeClr val="lt1"/>
-        </a:fontRef>
-      </dsp:style>
-      <dsp:txBody>
-        <a:bodyPr spcFirstLastPara="0" vert="horz" wrap="square" lIns="12065" tIns="12065" rIns="12065" bIns="12065" numCol="1" spcCol="1270" anchor="ctr" anchorCtr="0">
-          <a:noAutofit/>
-        </a:bodyPr>
-        <a:lstStyle/>
-        <a:p>
-          <a:pPr lvl="0" algn="ctr" defTabSz="844550">
-            <a:lnSpc>
-              <a:spcPct val="90000"/>
-            </a:lnSpc>
-            <a:spcBef>
-              <a:spcPct val="0"/>
-            </a:spcBef>
-            <a:spcAft>
-              <a:spcPct val="35000"/>
-            </a:spcAft>
-          </a:pPr>
-          <a:r>
-            <a:rPr lang="en-US" altLang="zh-TW" sz="1900" kern="1200" dirty="0" smtClean="0"/>
-            <a:t>DataRow1</a:t>
-          </a:r>
-          <a:endParaRPr lang="zh-TW" altLang="en-US" sz="1900" kern="1200" dirty="0"/>
-        </a:p>
-      </dsp:txBody>
-      <dsp:txXfrm>
-        <a:off x="3379206" y="720141"/>
-        <a:ext cx="1165314" cy="565077"/>
-      </dsp:txXfrm>
-    </dsp:sp>
-    <dsp:sp modelId="{7CAD4DB3-AAFD-4874-BF2C-0DC4DEADEA2A}">
-      <dsp:nvSpPr>
-        <dsp:cNvPr id="0" name=""/>
-        <dsp:cNvSpPr/>
-      </dsp:nvSpPr>
-      <dsp:spPr>
-        <a:xfrm rot="2142401">
-          <a:off x="2825854" y="1493446"/>
-          <a:ext cx="591355" cy="53876"/>
-        </a:xfrm>
-        <a:custGeom>
-          <a:avLst/>
-          <a:gdLst/>
-          <a:ahLst/>
-          <a:cxnLst/>
-          <a:rect l="0" t="0" r="0" b="0"/>
-          <a:pathLst>
-            <a:path>
-              <a:moveTo>
-                <a:pt x="0" y="26938"/>
-              </a:moveTo>
-              <a:lnTo>
-                <a:pt x="591355" y="26938"/>
-              </a:lnTo>
-            </a:path>
-          </a:pathLst>
-        </a:custGeom>
-        <a:noFill/>
-        <a:ln w="25400" cap="flat" cmpd="sng" algn="ctr">
-          <a:solidFill>
-            <a:schemeClr val="accent1">
-              <a:hueOff val="0"/>
-              <a:satOff val="0"/>
-              <a:lumOff val="0"/>
-              <a:alphaOff val="0"/>
-            </a:schemeClr>
-          </a:solidFill>
-          <a:prstDash val="solid"/>
-        </a:ln>
-        <a:effectLst/>
-      </dsp:spPr>
-      <dsp:style>
-        <a:lnRef idx="2">
-          <a:scrgbClr r="0" g="0" b="0"/>
-        </a:lnRef>
-        <a:fillRef idx="0">
-          <a:scrgbClr r="0" g="0" b="0"/>
-        </a:fillRef>
-        <a:effectRef idx="0">
-          <a:scrgbClr r="0" g="0" b="0"/>
-        </a:effectRef>
-        <a:fontRef idx="minor"/>
-      </dsp:style>
-      <dsp:txBody>
-        <a:bodyPr spcFirstLastPara="0" vert="horz" wrap="square" lIns="12700" tIns="0" rIns="12700" bIns="0" numCol="1" spcCol="1270" anchor="ctr" anchorCtr="0">
-          <a:noAutofit/>
-        </a:bodyPr>
-        <a:lstStyle/>
-        <a:p>
-          <a:pPr lvl="0" algn="ctr" defTabSz="222250">
-            <a:lnSpc>
-              <a:spcPct val="90000"/>
-            </a:lnSpc>
-            <a:spcBef>
-              <a:spcPct val="0"/>
-            </a:spcBef>
-            <a:spcAft>
-              <a:spcPct val="35000"/>
-            </a:spcAft>
-          </a:pPr>
-          <a:endParaRPr lang="zh-TW" altLang="en-US" sz="500" kern="1200"/>
-        </a:p>
-      </dsp:txBody>
-      <dsp:txXfrm>
-        <a:off x="3106748" y="1505600"/>
-        <a:ext cx="29567" cy="29567"/>
-      </dsp:txXfrm>
-    </dsp:sp>
-    <dsp:sp modelId="{B4DB6ABD-736C-44E2-B97B-3D3C7B491AC4}">
-      <dsp:nvSpPr>
-        <dsp:cNvPr id="0" name=""/>
-        <dsp:cNvSpPr/>
-      </dsp:nvSpPr>
-      <dsp:spPr>
-        <a:xfrm>
-          <a:off x="3361626" y="1392834"/>
-          <a:ext cx="1200474" cy="600237"/>
-        </a:xfrm>
-        <a:prstGeom prst="roundRect">
-          <a:avLst>
-            <a:gd name="adj" fmla="val 10000"/>
-          </a:avLst>
-        </a:prstGeom>
-        <a:solidFill>
-          <a:schemeClr val="accent1">
-            <a:hueOff val="0"/>
-            <a:satOff val="0"/>
-            <a:lumOff val="0"/>
-            <a:alphaOff val="0"/>
-          </a:schemeClr>
-        </a:solidFill>
-        <a:ln w="25400" cap="flat" cmpd="sng" algn="ctr">
-          <a:solidFill>
-            <a:schemeClr val="lt1">
-              <a:hueOff val="0"/>
-              <a:satOff val="0"/>
-              <a:lumOff val="0"/>
-              <a:alphaOff val="0"/>
-            </a:schemeClr>
-          </a:solidFill>
-          <a:prstDash val="solid"/>
-        </a:ln>
-        <a:effectLst/>
-      </dsp:spPr>
-      <dsp:style>
-        <a:lnRef idx="2">
-          <a:scrgbClr r="0" g="0" b="0"/>
-        </a:lnRef>
-        <a:fillRef idx="1">
-          <a:scrgbClr r="0" g="0" b="0"/>
-        </a:fillRef>
-        <a:effectRef idx="0">
-          <a:scrgbClr r="0" g="0" b="0"/>
-        </a:effectRef>
-        <a:fontRef idx="minor">
-          <a:schemeClr val="lt1"/>
-        </a:fontRef>
-      </dsp:style>
-      <dsp:txBody>
-        <a:bodyPr spcFirstLastPara="0" vert="horz" wrap="square" lIns="12065" tIns="12065" rIns="12065" bIns="12065" numCol="1" spcCol="1270" anchor="ctr" anchorCtr="0">
-          <a:noAutofit/>
-        </a:bodyPr>
-        <a:lstStyle/>
-        <a:p>
-          <a:pPr lvl="0" algn="ctr" defTabSz="844550">
-            <a:lnSpc>
-              <a:spcPct val="90000"/>
-            </a:lnSpc>
-            <a:spcBef>
-              <a:spcPct val="0"/>
-            </a:spcBef>
-            <a:spcAft>
-              <a:spcPct val="35000"/>
-            </a:spcAft>
-          </a:pPr>
-          <a:r>
-            <a:rPr lang="en-US" altLang="zh-TW" sz="1900" kern="1200" dirty="0" smtClean="0"/>
-            <a:t>DataRow2</a:t>
-          </a:r>
-          <a:endParaRPr lang="zh-TW" altLang="en-US" sz="1900" kern="1200" dirty="0"/>
-        </a:p>
-      </dsp:txBody>
-      <dsp:txXfrm>
-        <a:off x="3379206" y="1410414"/>
-        <a:ext cx="1165314" cy="565077"/>
-      </dsp:txXfrm>
-    </dsp:sp>
   </dsp:spTree>
 </dsp:drawing>
 </file>
@@ -11349,11 +10485,7 @@
             </a:r>
             <a:r>
               <a:rPr lang="zh-TW" altLang="en-US" b="1" dirty="0" smtClean="0"/>
-              <a:t>子</a:t>
-            </a:r>
-            <a:r>
-              <a:rPr lang="zh-TW" altLang="en-US" b="1" dirty="0" smtClean="0"/>
-              <a:t>查詢</a:t>
+              <a:t>子查詢</a:t>
             </a:r>
             <a:endParaRPr lang="en-US" altLang="zh-TW" b="1" dirty="0" smtClean="0"/>
           </a:p>
@@ -11393,11 +10525,7 @@
           <a:p>
             <a:r>
               <a:rPr lang="en-US" altLang="zh-TW" dirty="0" smtClean="0"/>
-              <a:t>where </a:t>
-            </a:r>
-            <a:r>
-              <a:rPr lang="en-US" altLang="zh-TW" dirty="0" smtClean="0"/>
-              <a:t>exists</a:t>
+              <a:t>where exists</a:t>
             </a:r>
           </a:p>
           <a:p>
@@ -25858,15 +24986,7 @@
                   <a:schemeClr val="tx2"/>
                 </a:solidFill>
               </a:rPr>
-              <a:t>寫入一筆資料至</a:t>
-            </a:r>
-            <a:r>
-              <a:rPr lang="en-US" altLang="zh-TW" sz="1800" dirty="0" smtClean="0">
-                <a:solidFill>
-                  <a:schemeClr val="tx2"/>
-                </a:solidFill>
-              </a:rPr>
-              <a:t>Users</a:t>
+              <a:t>寫入一筆資料</a:t>
             </a:r>
             <a:r>
               <a:rPr lang="zh-TW" altLang="en-US" sz="1800" dirty="0" smtClean="0">
@@ -25874,7 +24994,31 @@
                   <a:schemeClr val="tx2"/>
                 </a:solidFill>
               </a:rPr>
-              <a:t>，並取得自動編號的值</a:t>
+              <a:t>至</a:t>
+            </a:r>
+            <a:r>
+              <a:rPr lang="en-US" altLang="zh-TW" sz="1800" smtClean="0">
+                <a:solidFill>
+                  <a:schemeClr val="tx2"/>
+                </a:solidFill>
+              </a:rPr>
+              <a:t>Products</a:t>
+            </a:r>
+            <a:r>
+              <a:rPr lang="zh-TW" altLang="en-US" sz="1800" smtClean="0">
+                <a:solidFill>
+                  <a:schemeClr val="tx2"/>
+                </a:solidFill>
+              </a:rPr>
+              <a:t>，</a:t>
+            </a:r>
+            <a:r>
+              <a:rPr lang="zh-TW" altLang="en-US" sz="1800" dirty="0" smtClean="0">
+                <a:solidFill>
+                  <a:schemeClr val="tx2"/>
+                </a:solidFill>
+              </a:rPr>
+              <a:t>並取得自動編號的值</a:t>
             </a:r>
             <a:endParaRPr lang="en-US" altLang="zh-TW" sz="1800" dirty="0" smtClean="0">
               <a:solidFill>
@@ -25992,7 +25136,23 @@
                   <a:schemeClr val="tx2"/>
                 </a:solidFill>
               </a:rPr>
-              <a:t>將任一資料表的前五筆資料存入</a:t>
+              <a:t>將</a:t>
+            </a:r>
+            <a:r>
+              <a:rPr lang="en-US" altLang="zh-TW" sz="1800" dirty="0">
+                <a:solidFill>
+                  <a:schemeClr val="tx2"/>
+                </a:solidFill>
+              </a:rPr>
+              <a:t>[Order Details]</a:t>
+            </a:r>
+            <a:r>
+              <a:rPr lang="zh-TW" altLang="en-US" sz="1800" dirty="0" smtClean="0">
+                <a:solidFill>
+                  <a:schemeClr val="tx2"/>
+                </a:solidFill>
+              </a:rPr>
+              <a:t>的前五筆資料存入</a:t>
             </a:r>
             <a:r>
               <a:rPr lang="en-US" altLang="zh-TW" sz="1800" dirty="0" err="1" smtClean="0">
@@ -26024,7 +25184,7 @@
                   <a:schemeClr val="tx2"/>
                 </a:solidFill>
               </a:rPr>
-              <a:t>中加入兩筆資料</a:t>
+              <a:t>中自行加入兩筆資料</a:t>
             </a:r>
             <a:endParaRPr lang="en-US" altLang="zh-TW" sz="1800" dirty="0" smtClean="0">
               <a:solidFill>
@@ -26043,6 +25203,121 @@
                   <a:schemeClr val="tx2"/>
                 </a:solidFill>
               </a:rPr>
+              <a:t>承上題，在現有的</a:t>
+            </a:r>
+            <a:r>
+              <a:rPr lang="en-US" altLang="zh-TW" sz="1800" dirty="0" err="1" smtClean="0">
+                <a:solidFill>
+                  <a:schemeClr val="tx2"/>
+                </a:solidFill>
+              </a:rPr>
+              <a:t>DataTable</a:t>
+            </a:r>
+            <a:r>
+              <a:rPr lang="zh-TW" altLang="en-US" sz="1800" dirty="0" smtClean="0">
+                <a:solidFill>
+                  <a:schemeClr val="tx2"/>
+                </a:solidFill>
+              </a:rPr>
+              <a:t>中新增一個</a:t>
+            </a:r>
+            <a:r>
+              <a:rPr lang="en-US" altLang="zh-TW" sz="1800" dirty="0" smtClean="0">
+                <a:solidFill>
+                  <a:schemeClr val="tx2"/>
+                </a:solidFill>
+              </a:rPr>
+              <a:t>decimal</a:t>
+            </a:r>
+            <a:r>
+              <a:rPr lang="zh-TW" altLang="en-US" sz="1800" dirty="0" smtClean="0">
+                <a:solidFill>
+                  <a:schemeClr val="tx2"/>
+                </a:solidFill>
+              </a:rPr>
+              <a:t>欄位</a:t>
+            </a:r>
+            <a:r>
+              <a:rPr lang="en-US" altLang="zh-TW" sz="1800" dirty="0" smtClean="0">
+                <a:solidFill>
+                  <a:schemeClr val="tx2"/>
+                </a:solidFill>
+              </a:rPr>
+              <a:t>: </a:t>
+            </a:r>
+            <a:r>
+              <a:rPr lang="en-US" altLang="zh-TW" sz="1800" dirty="0" err="1" smtClean="0">
+                <a:solidFill>
+                  <a:schemeClr val="tx2"/>
+                </a:solidFill>
+              </a:rPr>
+              <a:t>TotalAmount</a:t>
+            </a:r>
+            <a:r>
+              <a:rPr lang="zh-TW" altLang="en-US" sz="1800" dirty="0" smtClean="0">
+                <a:solidFill>
+                  <a:schemeClr val="tx2"/>
+                </a:solidFill>
+              </a:rPr>
+              <a:t>，欄位值等於</a:t>
+            </a:r>
+            <a:r>
+              <a:rPr lang="en-US" altLang="zh-TW" sz="1800" dirty="0">
+                <a:solidFill>
+                  <a:schemeClr val="tx2"/>
+                </a:solidFill>
+              </a:rPr>
+              <a:t>Quantity * </a:t>
+            </a:r>
+            <a:r>
+              <a:rPr lang="en-US" altLang="zh-TW" sz="1800" dirty="0" err="1">
+                <a:solidFill>
+                  <a:schemeClr val="tx2"/>
+                </a:solidFill>
+              </a:rPr>
+              <a:t>UnitPrice</a:t>
+            </a:r>
+            <a:r>
+              <a:rPr lang="en-US" altLang="zh-TW" sz="1800" dirty="0">
+                <a:solidFill>
+                  <a:schemeClr val="tx2"/>
+                </a:solidFill>
+              </a:rPr>
+              <a:t> * (1 - Discount</a:t>
+            </a:r>
+            <a:r>
+              <a:rPr lang="en-US" altLang="zh-TW" sz="1800" dirty="0" smtClean="0">
+                <a:solidFill>
+                  <a:schemeClr val="tx2"/>
+                </a:solidFill>
+              </a:rPr>
+              <a:t>)</a:t>
+            </a:r>
+            <a:r>
+              <a:rPr lang="zh-TW" altLang="en-US" sz="1800" dirty="0" smtClean="0">
+                <a:solidFill>
+                  <a:schemeClr val="tx2"/>
+                </a:solidFill>
+              </a:rPr>
+              <a:t>，並逐筆印出資料</a:t>
+            </a:r>
+            <a:endParaRPr lang="en-US" altLang="zh-TW" sz="1800" dirty="0" smtClean="0">
+              <a:solidFill>
+                <a:schemeClr val="tx2"/>
+              </a:solidFill>
+            </a:endParaRPr>
+          </a:p>
+          <a:p>
+            <a:pPr lvl="1">
+              <a:buFont typeface="Wingdings" pitchFamily="2" charset="2"/>
+              <a:buChar char="n"/>
+            </a:pPr>
+            <a:r>
+              <a:rPr lang="zh-TW" altLang="en-US" sz="1800" dirty="0" smtClean="0">
+                <a:solidFill>
+                  <a:schemeClr val="tx2"/>
+                </a:solidFill>
+              </a:rPr>
               <a:t>使用</a:t>
             </a:r>
             <a:r>
@@ -26084,6 +25359,14 @@
                 </a:solidFill>
               </a:rPr>
               <a:t>DataTable</a:t>
+            </a:r>
+            <a:r>
+              <a:rPr lang="zh-TW" altLang="en-US" sz="1800" dirty="0" smtClean="0">
+                <a:solidFill>
+                  <a:schemeClr val="tx2"/>
+                </a:solidFill>
+              </a:rPr>
+              <a:t>後逐筆印出</a:t>
             </a:r>
             <a:endParaRPr lang="en-US" altLang="zh-TW" sz="1800" dirty="0" smtClean="0">
               <a:solidFill>

--- a/簡報及DB/資料庫程式開發概述.pptx
+++ b/簡報及DB/資料庫程式開發概述.pptx
@@ -5,10 +5,10 @@
     <p:sldMasterId id="2147483648" r:id="rId1"/>
   </p:sldMasterIdLst>
   <p:notesMasterIdLst>
-    <p:notesMasterId r:id="rId34"/>
+    <p:notesMasterId r:id="rId36"/>
   </p:notesMasterIdLst>
   <p:handoutMasterIdLst>
-    <p:handoutMasterId r:id="rId35"/>
+    <p:handoutMasterId r:id="rId37"/>
   </p:handoutMasterIdLst>
   <p:sldIdLst>
     <p:sldId id="259" r:id="rId2"/>
@@ -42,7 +42,9 @@
     <p:sldId id="284" r:id="rId30"/>
     <p:sldId id="285" r:id="rId31"/>
     <p:sldId id="286" r:id="rId32"/>
-    <p:sldId id="287" r:id="rId33"/>
+    <p:sldId id="291" r:id="rId33"/>
+    <p:sldId id="292" r:id="rId34"/>
+    <p:sldId id="287" r:id="rId35"/>
   </p:sldIdLst>
   <p:sldSz cx="9144000" cy="6858000" type="screen4x3"/>
   <p:notesSz cx="6858000" cy="9144000"/>
@@ -177,6 +179,8 @@
             <p14:sldId id="284"/>
             <p14:sldId id="285"/>
             <p14:sldId id="286"/>
+            <p14:sldId id="291"/>
+            <p14:sldId id="292"/>
             <p14:sldId id="287"/>
           </p14:sldIdLst>
         </p14:section>
@@ -10283,6 +10287,502 @@
       </p:grpSpPr>
       <p:sp>
         <p:nvSpPr>
+          <p:cNvPr id="59394" name="投影片圖像版面配置區 1"/>
+          <p:cNvSpPr>
+            <a:spLocks noGrp="1" noRot="1" noChangeAspect="1" noTextEdit="1"/>
+          </p:cNvSpPr>
+          <p:nvPr>
+            <p:ph type="sldImg"/>
+          </p:nvPr>
+        </p:nvSpPr>
+        <p:spPr>
+          <a:ln/>
+        </p:spPr>
+      </p:sp>
+      <p:sp>
+        <p:nvSpPr>
+          <p:cNvPr id="59395" name="備忘稿版面配置區 2"/>
+          <p:cNvSpPr>
+            <a:spLocks noGrp="1"/>
+          </p:cNvSpPr>
+          <p:nvPr>
+            <p:ph type="body" idx="1"/>
+          </p:nvPr>
+        </p:nvSpPr>
+        <p:spPr>
+          <a:noFill/>
+          <a:ln/>
+          <a:extLst>
+            <a:ext uri="{909E8E84-426E-40DD-AFC4-6F175D3DCCD1}">
+              <a14:hiddenFill xmlns:a14="http://schemas.microsoft.com/office/drawing/2010/main">
+                <a:solidFill>
+                  <a:srgbClr val="FFFFFF"/>
+                </a:solidFill>
+              </a14:hiddenFill>
+            </a:ext>
+            <a:ext uri="{91240B29-F687-4F45-9708-019B960494DF}">
+              <a14:hiddenLine xmlns:a14="http://schemas.microsoft.com/office/drawing/2010/main" w="9525">
+                <a:solidFill>
+                  <a:srgbClr val="000000"/>
+                </a:solidFill>
+                <a:miter lim="800000"/>
+                <a:headEnd/>
+                <a:tailEnd/>
+              </a14:hiddenLine>
+            </a:ext>
+          </a:extLst>
+        </p:spPr>
+        <p:txBody>
+          <a:bodyPr/>
+          <a:lstStyle/>
+          <a:p>
+            <a:endParaRPr lang="zh-TW" altLang="en-US" smtClean="0"/>
+          </a:p>
+        </p:txBody>
+      </p:sp>
+      <p:sp>
+        <p:nvSpPr>
+          <p:cNvPr id="59396" name="投影片編號版面配置區 3"/>
+          <p:cNvSpPr>
+            <a:spLocks noGrp="1"/>
+          </p:cNvSpPr>
+          <p:nvPr>
+            <p:ph type="sldNum" sz="quarter" idx="5"/>
+          </p:nvPr>
+        </p:nvSpPr>
+        <p:spPr>
+          <a:noFill/>
+          <a:ln/>
+          <a:extLst>
+            <a:ext uri="{909E8E84-426E-40DD-AFC4-6F175D3DCCD1}">
+              <a14:hiddenFill xmlns:a14="http://schemas.microsoft.com/office/drawing/2010/main">
+                <a:solidFill>
+                  <a:srgbClr val="FFFFFF"/>
+                </a:solidFill>
+              </a14:hiddenFill>
+            </a:ext>
+            <a:ext uri="{91240B29-F687-4F45-9708-019B960494DF}">
+              <a14:hiddenLine xmlns:a14="http://schemas.microsoft.com/office/drawing/2010/main" w="9525">
+                <a:solidFill>
+                  <a:srgbClr val="000000"/>
+                </a:solidFill>
+                <a:miter lim="800000"/>
+                <a:headEnd/>
+                <a:tailEnd/>
+              </a14:hiddenLine>
+            </a:ext>
+          </a:extLst>
+        </p:spPr>
+        <p:txBody>
+          <a:bodyPr/>
+          <a:lstStyle>
+            <a:lvl1pPr>
+              <a:defRPr kumimoji="1" sz="3200" b="1">
+                <a:solidFill>
+                  <a:schemeClr val="accent2"/>
+                </a:solidFill>
+                <a:latin typeface="Times New Roman" pitchFamily="18" charset="0"/>
+                <a:ea typeface="新細明體" pitchFamily="18" charset="-120"/>
+              </a:defRPr>
+            </a:lvl1pPr>
+            <a:lvl2pPr marL="742950" indent="-285750">
+              <a:defRPr kumimoji="1" sz="3200" b="1">
+                <a:solidFill>
+                  <a:schemeClr val="accent2"/>
+                </a:solidFill>
+                <a:latin typeface="Times New Roman" pitchFamily="18" charset="0"/>
+                <a:ea typeface="新細明體" pitchFamily="18" charset="-120"/>
+              </a:defRPr>
+            </a:lvl2pPr>
+            <a:lvl3pPr marL="1143000" indent="-228600">
+              <a:defRPr kumimoji="1" sz="3200" b="1">
+                <a:solidFill>
+                  <a:schemeClr val="accent2"/>
+                </a:solidFill>
+                <a:latin typeface="Times New Roman" pitchFamily="18" charset="0"/>
+                <a:ea typeface="新細明體" pitchFamily="18" charset="-120"/>
+              </a:defRPr>
+            </a:lvl3pPr>
+            <a:lvl4pPr marL="1600200" indent="-228600">
+              <a:defRPr kumimoji="1" sz="3200" b="1">
+                <a:solidFill>
+                  <a:schemeClr val="accent2"/>
+                </a:solidFill>
+                <a:latin typeface="Times New Roman" pitchFamily="18" charset="0"/>
+                <a:ea typeface="新細明體" pitchFamily="18" charset="-120"/>
+              </a:defRPr>
+            </a:lvl4pPr>
+            <a:lvl5pPr marL="2057400" indent="-228600">
+              <a:defRPr kumimoji="1" sz="3200" b="1">
+                <a:solidFill>
+                  <a:schemeClr val="accent2"/>
+                </a:solidFill>
+                <a:latin typeface="Times New Roman" pitchFamily="18" charset="0"/>
+                <a:ea typeface="新細明體" pitchFamily="18" charset="-120"/>
+              </a:defRPr>
+            </a:lvl5pPr>
+            <a:lvl6pPr marL="2514600" indent="-228600" eaLnBrk="0" fontAlgn="base" hangingPunct="0">
+              <a:spcBef>
+                <a:spcPct val="20000"/>
+              </a:spcBef>
+              <a:spcAft>
+                <a:spcPct val="0"/>
+              </a:spcAft>
+              <a:buFont typeface="Wingdings" pitchFamily="2" charset="2"/>
+              <a:buChar char="Ø"/>
+              <a:defRPr kumimoji="1" sz="3200" b="1">
+                <a:solidFill>
+                  <a:schemeClr val="accent2"/>
+                </a:solidFill>
+                <a:latin typeface="Times New Roman" pitchFamily="18" charset="0"/>
+                <a:ea typeface="新細明體" pitchFamily="18" charset="-120"/>
+              </a:defRPr>
+            </a:lvl6pPr>
+            <a:lvl7pPr marL="2971800" indent="-228600" eaLnBrk="0" fontAlgn="base" hangingPunct="0">
+              <a:spcBef>
+                <a:spcPct val="20000"/>
+              </a:spcBef>
+              <a:spcAft>
+                <a:spcPct val="0"/>
+              </a:spcAft>
+              <a:buFont typeface="Wingdings" pitchFamily="2" charset="2"/>
+              <a:buChar char="Ø"/>
+              <a:defRPr kumimoji="1" sz="3200" b="1">
+                <a:solidFill>
+                  <a:schemeClr val="accent2"/>
+                </a:solidFill>
+                <a:latin typeface="Times New Roman" pitchFamily="18" charset="0"/>
+                <a:ea typeface="新細明體" pitchFamily="18" charset="-120"/>
+              </a:defRPr>
+            </a:lvl7pPr>
+            <a:lvl8pPr marL="3429000" indent="-228600" eaLnBrk="0" fontAlgn="base" hangingPunct="0">
+              <a:spcBef>
+                <a:spcPct val="20000"/>
+              </a:spcBef>
+              <a:spcAft>
+                <a:spcPct val="0"/>
+              </a:spcAft>
+              <a:buFont typeface="Wingdings" pitchFamily="2" charset="2"/>
+              <a:buChar char="Ø"/>
+              <a:defRPr kumimoji="1" sz="3200" b="1">
+                <a:solidFill>
+                  <a:schemeClr val="accent2"/>
+                </a:solidFill>
+                <a:latin typeface="Times New Roman" pitchFamily="18" charset="0"/>
+                <a:ea typeface="新細明體" pitchFamily="18" charset="-120"/>
+              </a:defRPr>
+            </a:lvl8pPr>
+            <a:lvl9pPr marL="3886200" indent="-228600" eaLnBrk="0" fontAlgn="base" hangingPunct="0">
+              <a:spcBef>
+                <a:spcPct val="20000"/>
+              </a:spcBef>
+              <a:spcAft>
+                <a:spcPct val="0"/>
+              </a:spcAft>
+              <a:buFont typeface="Wingdings" pitchFamily="2" charset="2"/>
+              <a:buChar char="Ø"/>
+              <a:defRPr kumimoji="1" sz="3200" b="1">
+                <a:solidFill>
+                  <a:schemeClr val="accent2"/>
+                </a:solidFill>
+                <a:latin typeface="Times New Roman" pitchFamily="18" charset="0"/>
+                <a:ea typeface="新細明體" pitchFamily="18" charset="-120"/>
+              </a:defRPr>
+            </a:lvl9pPr>
+          </a:lstStyle>
+          <a:p>
+            <a:fld id="{9D73E449-F5F1-4DF9-B023-ECE57AE8D6DD}" type="slidenum">
+              <a:rPr lang="en-US" altLang="zh-TW" sz="1200" b="0" smtClean="0">
+                <a:solidFill>
+                  <a:schemeClr val="tx1"/>
+                </a:solidFill>
+              </a:rPr>
+              <a:pPr/>
+              <a:t>32</a:t>
+            </a:fld>
+            <a:endParaRPr lang="en-US" altLang="zh-TW" sz="1200" b="0" smtClean="0">
+              <a:solidFill>
+                <a:schemeClr val="tx1"/>
+              </a:solidFill>
+            </a:endParaRPr>
+          </a:p>
+        </p:txBody>
+      </p:sp>
+    </p:spTree>
+  </p:cSld>
+  <p:clrMapOvr>
+    <a:masterClrMapping/>
+  </p:clrMapOvr>
+</p:notes>
+</file>
+
+<file path=ppt/notesSlides/notesSlide32.xml><?xml version="1.0" encoding="utf-8"?>
+<p:notes xmlns:a="http://schemas.openxmlformats.org/drawingml/2006/main" xmlns:r="http://schemas.openxmlformats.org/officeDocument/2006/relationships" xmlns:p="http://schemas.openxmlformats.org/presentationml/2006/main">
+  <p:cSld>
+    <p:spTree>
+      <p:nvGrpSpPr>
+        <p:cNvPr id="1" name=""/>
+        <p:cNvGrpSpPr/>
+        <p:nvPr/>
+      </p:nvGrpSpPr>
+      <p:grpSpPr>
+        <a:xfrm>
+          <a:off x="0" y="0"/>
+          <a:ext cx="0" cy="0"/>
+          <a:chOff x="0" y="0"/>
+          <a:chExt cx="0" cy="0"/>
+        </a:xfrm>
+      </p:grpSpPr>
+      <p:sp>
+        <p:nvSpPr>
+          <p:cNvPr id="59394" name="投影片圖像版面配置區 1"/>
+          <p:cNvSpPr>
+            <a:spLocks noGrp="1" noRot="1" noChangeAspect="1" noTextEdit="1"/>
+          </p:cNvSpPr>
+          <p:nvPr>
+            <p:ph type="sldImg"/>
+          </p:nvPr>
+        </p:nvSpPr>
+        <p:spPr>
+          <a:ln/>
+        </p:spPr>
+      </p:sp>
+      <p:sp>
+        <p:nvSpPr>
+          <p:cNvPr id="59395" name="備忘稿版面配置區 2"/>
+          <p:cNvSpPr>
+            <a:spLocks noGrp="1"/>
+          </p:cNvSpPr>
+          <p:nvPr>
+            <p:ph type="body" idx="1"/>
+          </p:nvPr>
+        </p:nvSpPr>
+        <p:spPr>
+          <a:noFill/>
+          <a:ln/>
+          <a:extLst>
+            <a:ext uri="{909E8E84-426E-40DD-AFC4-6F175D3DCCD1}">
+              <a14:hiddenFill xmlns:a14="http://schemas.microsoft.com/office/drawing/2010/main">
+                <a:solidFill>
+                  <a:srgbClr val="FFFFFF"/>
+                </a:solidFill>
+              </a14:hiddenFill>
+            </a:ext>
+            <a:ext uri="{91240B29-F687-4F45-9708-019B960494DF}">
+              <a14:hiddenLine xmlns:a14="http://schemas.microsoft.com/office/drawing/2010/main" w="9525">
+                <a:solidFill>
+                  <a:srgbClr val="000000"/>
+                </a:solidFill>
+                <a:miter lim="800000"/>
+                <a:headEnd/>
+                <a:tailEnd/>
+              </a14:hiddenLine>
+            </a:ext>
+          </a:extLst>
+        </p:spPr>
+        <p:txBody>
+          <a:bodyPr/>
+          <a:lstStyle/>
+          <a:p>
+            <a:endParaRPr lang="zh-TW" altLang="en-US" smtClean="0"/>
+          </a:p>
+        </p:txBody>
+      </p:sp>
+      <p:sp>
+        <p:nvSpPr>
+          <p:cNvPr id="59396" name="投影片編號版面配置區 3"/>
+          <p:cNvSpPr>
+            <a:spLocks noGrp="1"/>
+          </p:cNvSpPr>
+          <p:nvPr>
+            <p:ph type="sldNum" sz="quarter" idx="5"/>
+          </p:nvPr>
+        </p:nvSpPr>
+        <p:spPr>
+          <a:noFill/>
+          <a:ln/>
+          <a:extLst>
+            <a:ext uri="{909E8E84-426E-40DD-AFC4-6F175D3DCCD1}">
+              <a14:hiddenFill xmlns:a14="http://schemas.microsoft.com/office/drawing/2010/main">
+                <a:solidFill>
+                  <a:srgbClr val="FFFFFF"/>
+                </a:solidFill>
+              </a14:hiddenFill>
+            </a:ext>
+            <a:ext uri="{91240B29-F687-4F45-9708-019B960494DF}">
+              <a14:hiddenLine xmlns:a14="http://schemas.microsoft.com/office/drawing/2010/main" w="9525">
+                <a:solidFill>
+                  <a:srgbClr val="000000"/>
+                </a:solidFill>
+                <a:miter lim="800000"/>
+                <a:headEnd/>
+                <a:tailEnd/>
+              </a14:hiddenLine>
+            </a:ext>
+          </a:extLst>
+        </p:spPr>
+        <p:txBody>
+          <a:bodyPr/>
+          <a:lstStyle>
+            <a:lvl1pPr>
+              <a:defRPr kumimoji="1" sz="3200" b="1">
+                <a:solidFill>
+                  <a:schemeClr val="accent2"/>
+                </a:solidFill>
+                <a:latin typeface="Times New Roman" pitchFamily="18" charset="0"/>
+                <a:ea typeface="新細明體" pitchFamily="18" charset="-120"/>
+              </a:defRPr>
+            </a:lvl1pPr>
+            <a:lvl2pPr marL="742950" indent="-285750">
+              <a:defRPr kumimoji="1" sz="3200" b="1">
+                <a:solidFill>
+                  <a:schemeClr val="accent2"/>
+                </a:solidFill>
+                <a:latin typeface="Times New Roman" pitchFamily="18" charset="0"/>
+                <a:ea typeface="新細明體" pitchFamily="18" charset="-120"/>
+              </a:defRPr>
+            </a:lvl2pPr>
+            <a:lvl3pPr marL="1143000" indent="-228600">
+              <a:defRPr kumimoji="1" sz="3200" b="1">
+                <a:solidFill>
+                  <a:schemeClr val="accent2"/>
+                </a:solidFill>
+                <a:latin typeface="Times New Roman" pitchFamily="18" charset="0"/>
+                <a:ea typeface="新細明體" pitchFamily="18" charset="-120"/>
+              </a:defRPr>
+            </a:lvl3pPr>
+            <a:lvl4pPr marL="1600200" indent="-228600">
+              <a:defRPr kumimoji="1" sz="3200" b="1">
+                <a:solidFill>
+                  <a:schemeClr val="accent2"/>
+                </a:solidFill>
+                <a:latin typeface="Times New Roman" pitchFamily="18" charset="0"/>
+                <a:ea typeface="新細明體" pitchFamily="18" charset="-120"/>
+              </a:defRPr>
+            </a:lvl4pPr>
+            <a:lvl5pPr marL="2057400" indent="-228600">
+              <a:defRPr kumimoji="1" sz="3200" b="1">
+                <a:solidFill>
+                  <a:schemeClr val="accent2"/>
+                </a:solidFill>
+                <a:latin typeface="Times New Roman" pitchFamily="18" charset="0"/>
+                <a:ea typeface="新細明體" pitchFamily="18" charset="-120"/>
+              </a:defRPr>
+            </a:lvl5pPr>
+            <a:lvl6pPr marL="2514600" indent="-228600" eaLnBrk="0" fontAlgn="base" hangingPunct="0">
+              <a:spcBef>
+                <a:spcPct val="20000"/>
+              </a:spcBef>
+              <a:spcAft>
+                <a:spcPct val="0"/>
+              </a:spcAft>
+              <a:buFont typeface="Wingdings" pitchFamily="2" charset="2"/>
+              <a:buChar char="Ø"/>
+              <a:defRPr kumimoji="1" sz="3200" b="1">
+                <a:solidFill>
+                  <a:schemeClr val="accent2"/>
+                </a:solidFill>
+                <a:latin typeface="Times New Roman" pitchFamily="18" charset="0"/>
+                <a:ea typeface="新細明體" pitchFamily="18" charset="-120"/>
+              </a:defRPr>
+            </a:lvl6pPr>
+            <a:lvl7pPr marL="2971800" indent="-228600" eaLnBrk="0" fontAlgn="base" hangingPunct="0">
+              <a:spcBef>
+                <a:spcPct val="20000"/>
+              </a:spcBef>
+              <a:spcAft>
+                <a:spcPct val="0"/>
+              </a:spcAft>
+              <a:buFont typeface="Wingdings" pitchFamily="2" charset="2"/>
+              <a:buChar char="Ø"/>
+              <a:defRPr kumimoji="1" sz="3200" b="1">
+                <a:solidFill>
+                  <a:schemeClr val="accent2"/>
+                </a:solidFill>
+                <a:latin typeface="Times New Roman" pitchFamily="18" charset="0"/>
+                <a:ea typeface="新細明體" pitchFamily="18" charset="-120"/>
+              </a:defRPr>
+            </a:lvl7pPr>
+            <a:lvl8pPr marL="3429000" indent="-228600" eaLnBrk="0" fontAlgn="base" hangingPunct="0">
+              <a:spcBef>
+                <a:spcPct val="20000"/>
+              </a:spcBef>
+              <a:spcAft>
+                <a:spcPct val="0"/>
+              </a:spcAft>
+              <a:buFont typeface="Wingdings" pitchFamily="2" charset="2"/>
+              <a:buChar char="Ø"/>
+              <a:defRPr kumimoji="1" sz="3200" b="1">
+                <a:solidFill>
+                  <a:schemeClr val="accent2"/>
+                </a:solidFill>
+                <a:latin typeface="Times New Roman" pitchFamily="18" charset="0"/>
+                <a:ea typeface="新細明體" pitchFamily="18" charset="-120"/>
+              </a:defRPr>
+            </a:lvl8pPr>
+            <a:lvl9pPr marL="3886200" indent="-228600" eaLnBrk="0" fontAlgn="base" hangingPunct="0">
+              <a:spcBef>
+                <a:spcPct val="20000"/>
+              </a:spcBef>
+              <a:spcAft>
+                <a:spcPct val="0"/>
+              </a:spcAft>
+              <a:buFont typeface="Wingdings" pitchFamily="2" charset="2"/>
+              <a:buChar char="Ø"/>
+              <a:defRPr kumimoji="1" sz="3200" b="1">
+                <a:solidFill>
+                  <a:schemeClr val="accent2"/>
+                </a:solidFill>
+                <a:latin typeface="Times New Roman" pitchFamily="18" charset="0"/>
+                <a:ea typeface="新細明體" pitchFamily="18" charset="-120"/>
+              </a:defRPr>
+            </a:lvl9pPr>
+          </a:lstStyle>
+          <a:p>
+            <a:fld id="{9D73E449-F5F1-4DF9-B023-ECE57AE8D6DD}" type="slidenum">
+              <a:rPr lang="en-US" altLang="zh-TW" sz="1200" b="0" smtClean="0">
+                <a:solidFill>
+                  <a:schemeClr val="tx1"/>
+                </a:solidFill>
+              </a:rPr>
+              <a:pPr/>
+              <a:t>33</a:t>
+            </a:fld>
+            <a:endParaRPr lang="en-US" altLang="zh-TW" sz="1200" b="0" smtClean="0">
+              <a:solidFill>
+                <a:schemeClr val="tx1"/>
+              </a:solidFill>
+            </a:endParaRPr>
+          </a:p>
+        </p:txBody>
+      </p:sp>
+    </p:spTree>
+  </p:cSld>
+  <p:clrMapOvr>
+    <a:masterClrMapping/>
+  </p:clrMapOvr>
+</p:notes>
+</file>
+
+<file path=ppt/notesSlides/notesSlide33.xml><?xml version="1.0" encoding="utf-8"?>
+<p:notes xmlns:a="http://schemas.openxmlformats.org/drawingml/2006/main" xmlns:r="http://schemas.openxmlformats.org/officeDocument/2006/relationships" xmlns:p="http://schemas.openxmlformats.org/presentationml/2006/main">
+  <p:cSld>
+    <p:spTree>
+      <p:nvGrpSpPr>
+        <p:cNvPr id="1" name=""/>
+        <p:cNvGrpSpPr/>
+        <p:nvPr/>
+      </p:nvGrpSpPr>
+      <p:grpSpPr>
+        <a:xfrm>
+          <a:off x="0" y="0"/>
+          <a:ext cx="0" cy="0"/>
+          <a:chOff x="0" y="0"/>
+          <a:chExt cx="0" cy="0"/>
+        </a:xfrm>
+      </p:grpSpPr>
+      <p:sp>
+        <p:nvSpPr>
           <p:cNvPr id="60418" name="Rectangle 2"/>
           <p:cNvSpPr>
             <a:spLocks noGrp="1" noRot="1" noChangeAspect="1" noChangeArrowheads="1" noTextEdit="1"/>
@@ -23019,6 +23519,627 @@
       </p:grpSpPr>
       <p:sp>
         <p:nvSpPr>
+          <p:cNvPr id="28674" name="標題 4"/>
+          <p:cNvSpPr>
+            <a:spLocks noGrp="1"/>
+          </p:cNvSpPr>
+          <p:nvPr>
+            <p:ph type="title"/>
+          </p:nvPr>
+        </p:nvSpPr>
+        <p:spPr/>
+        <p:txBody>
+          <a:bodyPr/>
+          <a:lstStyle/>
+          <a:p>
+            <a:pPr algn="l"/>
+            <a:r>
+              <a:rPr lang="en-US" altLang="zh-TW" sz="2000" b="1" dirty="0" smtClean="0"/>
+              <a:t/>
+            </a:r>
+            <a:br>
+              <a:rPr lang="en-US" altLang="zh-TW" sz="2000" b="1" dirty="0" smtClean="0"/>
+            </a:br>
+            <a:r>
+              <a:rPr lang="zh-TW" altLang="en-US" sz="2000" b="1" dirty="0" smtClean="0"/>
+              <a:t>作業一</a:t>
+            </a:r>
+          </a:p>
+        </p:txBody>
+      </p:sp>
+      <p:sp>
+        <p:nvSpPr>
+          <p:cNvPr id="28675" name="內容版面配置區 5"/>
+          <p:cNvSpPr>
+            <a:spLocks noGrp="1"/>
+          </p:cNvSpPr>
+          <p:nvPr>
+            <p:ph idx="1"/>
+          </p:nvPr>
+        </p:nvSpPr>
+        <p:spPr/>
+        <p:txBody>
+          <a:bodyPr/>
+          <a:lstStyle/>
+          <a:p>
+            <a:pPr>
+              <a:buFont typeface="Wingdings" pitchFamily="2" charset="2"/>
+              <a:buChar char="n"/>
+            </a:pPr>
+            <a:r>
+              <a:rPr lang="en-US" altLang="zh-TW" sz="2400" dirty="0" smtClean="0"/>
+              <a:t>SQL</a:t>
+            </a:r>
+            <a:r>
+              <a:rPr lang="zh-TW" altLang="en-US" sz="2400" dirty="0" smtClean="0"/>
+              <a:t>練習</a:t>
+            </a:r>
+            <a:endParaRPr lang="en-US" altLang="zh-TW" sz="2400" dirty="0" smtClean="0"/>
+          </a:p>
+          <a:p>
+            <a:pPr lvl="1">
+              <a:buFont typeface="Wingdings" pitchFamily="2" charset="2"/>
+              <a:buChar char="n"/>
+            </a:pPr>
+            <a:r>
+              <a:rPr lang="zh-TW" altLang="en-US" sz="1800" dirty="0" smtClean="0"/>
+              <a:t>以下單時間查詢過去</a:t>
+            </a:r>
+            <a:r>
+              <a:rPr lang="en-US" altLang="zh-TW" sz="1800" dirty="0" smtClean="0"/>
+              <a:t>17</a:t>
+            </a:r>
+            <a:r>
+              <a:rPr lang="zh-TW" altLang="en-US" sz="1800" dirty="0" smtClean="0"/>
+              <a:t>年的銷售紀錄，並將下單時間轉為民國年顯示</a:t>
+            </a:r>
+            <a:endParaRPr lang="en-US" altLang="zh-TW" sz="1800" dirty="0" smtClean="0"/>
+          </a:p>
+          <a:p>
+            <a:pPr lvl="1">
+              <a:buFont typeface="Wingdings" pitchFamily="2" charset="2"/>
+              <a:buChar char="n"/>
+            </a:pPr>
+            <a:r>
+              <a:rPr lang="zh-TW" altLang="en-US" sz="1800" dirty="0" smtClean="0"/>
+              <a:t>列出每個員工的姓名及直屬主管的姓名，沒有直屬主管時以</a:t>
+            </a:r>
+            <a:r>
+              <a:rPr lang="en-US" altLang="zh-TW" sz="1800" dirty="0" smtClean="0"/>
+              <a:t>’BOSS’</a:t>
+            </a:r>
+            <a:r>
+              <a:rPr lang="zh-TW" altLang="en-US" sz="1800" dirty="0" smtClean="0"/>
+              <a:t>表示 </a:t>
+            </a:r>
+            <a:r>
+              <a:rPr lang="en-US" altLang="zh-TW" sz="1800" dirty="0" smtClean="0"/>
+              <a:t>(</a:t>
+            </a:r>
+            <a:r>
+              <a:rPr lang="zh-TW" altLang="en-US" sz="1800" dirty="0" smtClean="0"/>
+              <a:t>直屬主管欄位為</a:t>
+            </a:r>
+            <a:r>
+              <a:rPr lang="en-US" altLang="zh-TW" sz="1800" dirty="0" err="1" smtClean="0"/>
+              <a:t>Employees.ReportsTo</a:t>
+            </a:r>
+            <a:r>
+              <a:rPr lang="en-US" altLang="zh-TW" sz="1800" dirty="0" smtClean="0"/>
+              <a:t>)</a:t>
+            </a:r>
+          </a:p>
+          <a:p>
+            <a:pPr lvl="1">
+              <a:buFont typeface="Wingdings" pitchFamily="2" charset="2"/>
+              <a:buChar char="n"/>
+            </a:pPr>
+            <a:r>
+              <a:rPr lang="zh-TW" altLang="en-US" sz="1800" dirty="0"/>
+              <a:t>列出</a:t>
+            </a:r>
+            <a:r>
+              <a:rPr lang="zh-TW" altLang="en-US" sz="1800" dirty="0" smtClean="0"/>
+              <a:t>沒有任何購買紀錄的顧客</a:t>
+            </a:r>
+            <a:r>
+              <a:rPr lang="en-US" altLang="zh-TW" sz="1800" dirty="0" smtClean="0"/>
+              <a:t>(</a:t>
+            </a:r>
+            <a:r>
+              <a:rPr lang="zh-TW" altLang="en-US" sz="1800" dirty="0" smtClean="0"/>
+              <a:t>分別用</a:t>
+            </a:r>
+            <a:r>
+              <a:rPr lang="en-US" altLang="zh-TW" sz="1800" dirty="0" smtClean="0"/>
+              <a:t>join</a:t>
+            </a:r>
+            <a:r>
+              <a:rPr lang="zh-TW" altLang="en-US" sz="1800" dirty="0" smtClean="0"/>
+              <a:t>、</a:t>
+            </a:r>
+            <a:r>
+              <a:rPr lang="en-US" altLang="zh-TW" sz="1800" dirty="0" smtClean="0"/>
+              <a:t>not exist</a:t>
+            </a:r>
+            <a:r>
+              <a:rPr lang="zh-TW" altLang="en-US" sz="1800" dirty="0" smtClean="0"/>
+              <a:t>及</a:t>
+            </a:r>
+            <a:r>
+              <a:rPr lang="en-US" altLang="zh-TW" sz="1800" dirty="0" smtClean="0"/>
+              <a:t>not in</a:t>
+            </a:r>
+            <a:r>
+              <a:rPr lang="zh-TW" altLang="en-US" sz="1800" dirty="0" smtClean="0"/>
+              <a:t>子查詢</a:t>
+            </a:r>
+            <a:r>
+              <a:rPr lang="en-US" altLang="zh-TW" sz="1800" dirty="0" smtClean="0"/>
+              <a:t>)</a:t>
+            </a:r>
+          </a:p>
+          <a:p>
+            <a:pPr lvl="1">
+              <a:buFont typeface="Wingdings" pitchFamily="2" charset="2"/>
+              <a:buChar char="n"/>
+            </a:pPr>
+            <a:r>
+              <a:rPr lang="zh-TW" altLang="en-US" sz="1800" dirty="0" smtClean="0"/>
+              <a:t>計算出每個員工的不重複銷售客戶數量，並以員工姓名升冪排序</a:t>
+            </a:r>
+            <a:endParaRPr lang="en-US" altLang="zh-TW" sz="2000" dirty="0" smtClean="0"/>
+          </a:p>
+          <a:p>
+            <a:pPr lvl="1">
+              <a:buFont typeface="Wingdings" pitchFamily="2" charset="2"/>
+              <a:buChar char="n"/>
+            </a:pPr>
+            <a:endParaRPr lang="en-US" altLang="zh-TW" sz="2000" dirty="0" smtClean="0"/>
+          </a:p>
+          <a:p>
+            <a:pPr>
+              <a:buFont typeface="Wingdings" pitchFamily="2" charset="2"/>
+              <a:buChar char="n"/>
+            </a:pPr>
+            <a:r>
+              <a:rPr lang="zh-TW" altLang="en-US" sz="2400" dirty="0" smtClean="0"/>
+              <a:t>資料庫物件</a:t>
+            </a:r>
+            <a:endParaRPr lang="en-US" altLang="zh-TW" sz="2400" dirty="0" smtClean="0"/>
+          </a:p>
+          <a:p>
+            <a:pPr lvl="1">
+              <a:buFont typeface="Wingdings" pitchFamily="2" charset="2"/>
+              <a:buChar char="n"/>
+            </a:pPr>
+            <a:r>
+              <a:rPr lang="zh-TW" altLang="en-US" sz="1800" dirty="0" smtClean="0"/>
+              <a:t>撰寫一個</a:t>
+            </a:r>
+            <a:r>
+              <a:rPr lang="en-US" altLang="zh-TW" sz="1800" dirty="0" smtClean="0"/>
+              <a:t>function</a:t>
+            </a:r>
+            <a:r>
+              <a:rPr lang="zh-TW" altLang="en-US" sz="1800" dirty="0" smtClean="0"/>
+              <a:t>：傳入產品編號，回傳產品名稱</a:t>
+            </a:r>
+            <a:endParaRPr lang="en-US" altLang="zh-TW" sz="1800" dirty="0" smtClean="0"/>
+          </a:p>
+          <a:p>
+            <a:pPr lvl="1">
+              <a:buFont typeface="Wingdings" pitchFamily="2" charset="2"/>
+              <a:buChar char="n"/>
+            </a:pPr>
+            <a:r>
+              <a:rPr lang="zh-TW" altLang="en-US" sz="1800" dirty="0" smtClean="0"/>
+              <a:t>撰寫一個</a:t>
+            </a:r>
+            <a:r>
+              <a:rPr lang="en-US" altLang="zh-TW" sz="1800" dirty="0" smtClean="0"/>
+              <a:t>Store Procedure</a:t>
+            </a:r>
+            <a:r>
+              <a:rPr lang="zh-TW" altLang="en-US" sz="1800" dirty="0" smtClean="0"/>
+              <a:t>：</a:t>
+            </a:r>
+            <a:r>
+              <a:rPr lang="en-US" altLang="zh-TW" sz="1800" dirty="0" smtClean="0"/>
+              <a:t/>
+            </a:r>
+            <a:br>
+              <a:rPr lang="en-US" altLang="zh-TW" sz="1800" dirty="0" smtClean="0"/>
+            </a:br>
+            <a:r>
+              <a:rPr lang="zh-TW" altLang="en-US" sz="1800" dirty="0" smtClean="0"/>
+              <a:t>傳入員工編號，回傳以編號查詢員工資料表的結果；</a:t>
+            </a:r>
+            <a:r>
+              <a:rPr lang="en-US" altLang="zh-TW" sz="1800" dirty="0" smtClean="0"/>
+              <a:t/>
+            </a:r>
+            <a:br>
+              <a:rPr lang="en-US" altLang="zh-TW" sz="1800" dirty="0" smtClean="0"/>
+            </a:br>
+            <a:r>
+              <a:rPr lang="zh-TW" altLang="en-US" sz="1800" dirty="0" smtClean="0"/>
+              <a:t>若沒有傳入員工編號時，回傳員工資料表的所有資料</a:t>
+            </a:r>
+            <a:endParaRPr lang="en-US" altLang="zh-TW" sz="1800" dirty="0" smtClean="0"/>
+          </a:p>
+          <a:p>
+            <a:pPr lvl="1">
+              <a:buFont typeface="Wingdings" pitchFamily="2" charset="2"/>
+              <a:buChar char="n"/>
+            </a:pPr>
+            <a:endParaRPr lang="en-US" altLang="zh-TW" sz="1800" dirty="0" smtClean="0"/>
+          </a:p>
+          <a:p>
+            <a:pPr>
+              <a:buFont typeface="Wingdings" pitchFamily="2" charset="2"/>
+              <a:buChar char="n"/>
+            </a:pPr>
+            <a:endParaRPr lang="en-US" altLang="zh-TW" sz="2000" dirty="0" smtClean="0"/>
+          </a:p>
+        </p:txBody>
+      </p:sp>
+    </p:spTree>
+    <p:extLst>
+      <p:ext uri="{BB962C8B-B14F-4D97-AF65-F5344CB8AC3E}">
+        <p14:creationId xmlns:p14="http://schemas.microsoft.com/office/powerpoint/2010/main" val="3032442150"/>
+      </p:ext>
+    </p:extLst>
+  </p:cSld>
+  <p:clrMapOvr>
+    <a:masterClrMapping/>
+  </p:clrMapOvr>
+  <p:transition spd="slow">
+    <p:wipe dir="d"/>
+  </p:transition>
+  <p:timing>
+    <p:tnLst>
+      <p:par>
+        <p:cTn id="1" dur="indefinite" restart="never" nodeType="tmRoot"/>
+      </p:par>
+    </p:tnLst>
+  </p:timing>
+</p:sld>
+</file>
+
+<file path=ppt/slides/slide33.xml><?xml version="1.0" encoding="utf-8"?>
+<p:sld xmlns:a="http://schemas.openxmlformats.org/drawingml/2006/main" xmlns:r="http://schemas.openxmlformats.org/officeDocument/2006/relationships" xmlns:p="http://schemas.openxmlformats.org/presentationml/2006/main">
+  <p:cSld>
+    <p:spTree>
+      <p:nvGrpSpPr>
+        <p:cNvPr id="1" name=""/>
+        <p:cNvGrpSpPr/>
+        <p:nvPr/>
+      </p:nvGrpSpPr>
+      <p:grpSpPr>
+        <a:xfrm>
+          <a:off x="0" y="0"/>
+          <a:ext cx="0" cy="0"/>
+          <a:chOff x="0" y="0"/>
+          <a:chExt cx="0" cy="0"/>
+        </a:xfrm>
+      </p:grpSpPr>
+      <p:sp>
+        <p:nvSpPr>
+          <p:cNvPr id="28674" name="標題 4"/>
+          <p:cNvSpPr>
+            <a:spLocks noGrp="1"/>
+          </p:cNvSpPr>
+          <p:nvPr>
+            <p:ph type="title"/>
+          </p:nvPr>
+        </p:nvSpPr>
+        <p:spPr/>
+        <p:txBody>
+          <a:bodyPr/>
+          <a:lstStyle/>
+          <a:p>
+            <a:pPr algn="l"/>
+            <a:r>
+              <a:rPr lang="en-US" altLang="zh-TW" sz="2000" b="1" dirty="0" smtClean="0"/>
+              <a:t/>
+            </a:r>
+            <a:br>
+              <a:rPr lang="en-US" altLang="zh-TW" sz="2000" b="1" dirty="0" smtClean="0"/>
+            </a:br>
+            <a:r>
+              <a:rPr lang="zh-TW" altLang="en-US" sz="2000" b="1" dirty="0" smtClean="0"/>
+              <a:t>作業二</a:t>
+            </a:r>
+          </a:p>
+        </p:txBody>
+      </p:sp>
+      <p:sp>
+        <p:nvSpPr>
+          <p:cNvPr id="28675" name="內容版面配置區 5"/>
+          <p:cNvSpPr>
+            <a:spLocks noGrp="1"/>
+          </p:cNvSpPr>
+          <p:nvPr>
+            <p:ph idx="1"/>
+          </p:nvPr>
+        </p:nvSpPr>
+        <p:spPr/>
+        <p:txBody>
+          <a:bodyPr/>
+          <a:lstStyle/>
+          <a:p>
+            <a:pPr>
+              <a:buFont typeface="Wingdings" pitchFamily="2" charset="2"/>
+              <a:buChar char="n"/>
+            </a:pPr>
+            <a:r>
+              <a:rPr lang="en-US" altLang="zh-TW" sz="2400" dirty="0" err="1" smtClean="0"/>
+              <a:t>ADO.Net</a:t>
+            </a:r>
+            <a:endParaRPr lang="en-US" altLang="zh-TW" sz="2400" dirty="0" smtClean="0"/>
+          </a:p>
+          <a:p>
+            <a:pPr lvl="1">
+              <a:buFont typeface="Wingdings" pitchFamily="2" charset="2"/>
+              <a:buChar char="n"/>
+            </a:pPr>
+            <a:r>
+              <a:rPr lang="zh-TW" altLang="en-US" sz="1800" dirty="0" smtClean="0"/>
+              <a:t>寫入一筆資料至</a:t>
+            </a:r>
+            <a:r>
+              <a:rPr lang="en-US" altLang="zh-TW" sz="1800" smtClean="0"/>
+              <a:t>Products</a:t>
+            </a:r>
+            <a:r>
+              <a:rPr lang="zh-TW" altLang="en-US" sz="1800" smtClean="0"/>
+              <a:t>，</a:t>
+            </a:r>
+            <a:r>
+              <a:rPr lang="zh-TW" altLang="en-US" sz="1800" dirty="0" smtClean="0"/>
+              <a:t>並取得自動編號的值</a:t>
+            </a:r>
+            <a:endParaRPr lang="en-US" altLang="zh-TW" sz="1800" dirty="0" smtClean="0"/>
+          </a:p>
+          <a:p>
+            <a:pPr lvl="1">
+              <a:buFont typeface="Wingdings" pitchFamily="2" charset="2"/>
+              <a:buChar char="n"/>
+            </a:pPr>
+            <a:r>
+              <a:rPr lang="zh-TW" altLang="en-US" sz="1800" dirty="0" smtClean="0"/>
+              <a:t>使用</a:t>
+            </a:r>
+            <a:r>
+              <a:rPr lang="en-US" altLang="zh-TW" sz="1800" dirty="0" err="1" smtClean="0"/>
+              <a:t>DataReader</a:t>
+            </a:r>
+            <a:r>
+              <a:rPr lang="zh-TW" altLang="en-US" sz="1800" dirty="0" smtClean="0"/>
+              <a:t>取得</a:t>
+            </a:r>
+            <a:r>
+              <a:rPr lang="zh-TW" altLang="en-US" sz="1800" dirty="0"/>
+              <a:t>任</a:t>
+            </a:r>
+            <a:r>
+              <a:rPr lang="zh-TW" altLang="en-US" sz="1800" dirty="0" smtClean="0"/>
+              <a:t>一個</a:t>
+            </a:r>
+            <a:r>
+              <a:rPr lang="zh-TW" altLang="en-US" sz="1800" dirty="0"/>
+              <a:t>資料</a:t>
+            </a:r>
+            <a:r>
+              <a:rPr lang="zh-TW" altLang="en-US" sz="1800" dirty="0" smtClean="0"/>
+              <a:t>表</a:t>
+            </a:r>
+            <a:r>
+              <a:rPr lang="zh-TW" altLang="en-US" sz="1800" dirty="0"/>
+              <a:t>的前五筆資料</a:t>
+            </a:r>
+            <a:r>
+              <a:rPr lang="zh-TW" altLang="en-US" sz="1800" dirty="0" smtClean="0"/>
+              <a:t>，並逐筆印出</a:t>
+            </a:r>
+            <a:endParaRPr lang="en-US" altLang="zh-TW" sz="1800" dirty="0" smtClean="0"/>
+          </a:p>
+          <a:p>
+            <a:pPr lvl="1">
+              <a:buFont typeface="Wingdings" pitchFamily="2" charset="2"/>
+              <a:buChar char="n"/>
+            </a:pPr>
+            <a:r>
+              <a:rPr lang="zh-TW" altLang="en-US" sz="1800" dirty="0" smtClean="0"/>
+              <a:t>使用</a:t>
+            </a:r>
+            <a:r>
+              <a:rPr lang="en-US" altLang="zh-TW" sz="1800" dirty="0" err="1" smtClean="0"/>
+              <a:t>DataAdapter</a:t>
+            </a:r>
+            <a:r>
+              <a:rPr lang="zh-TW" altLang="en-US" sz="1800" dirty="0" smtClean="0"/>
+              <a:t>將</a:t>
+            </a:r>
+            <a:r>
+              <a:rPr lang="en-US" altLang="zh-TW" sz="1800" dirty="0"/>
+              <a:t>[Order Details]</a:t>
+            </a:r>
+            <a:r>
+              <a:rPr lang="zh-TW" altLang="en-US" sz="1800" dirty="0" smtClean="0"/>
+              <a:t>的前五筆資料存入</a:t>
+            </a:r>
+            <a:r>
+              <a:rPr lang="en-US" altLang="zh-TW" sz="1800" dirty="0" err="1" smtClean="0"/>
+              <a:t>DataTable</a:t>
+            </a:r>
+            <a:r>
+              <a:rPr lang="zh-TW" altLang="en-US" sz="1800" dirty="0" smtClean="0"/>
+              <a:t>，並在</a:t>
+            </a:r>
+            <a:r>
+              <a:rPr lang="en-US" altLang="zh-TW" sz="1800" dirty="0" err="1" smtClean="0"/>
+              <a:t>DataTable</a:t>
+            </a:r>
+            <a:r>
+              <a:rPr lang="zh-TW" altLang="en-US" sz="1800" dirty="0" smtClean="0"/>
+              <a:t>中自行加入兩筆資料</a:t>
+            </a:r>
+            <a:endParaRPr lang="en-US" altLang="zh-TW" sz="1800" dirty="0" smtClean="0"/>
+          </a:p>
+          <a:p>
+            <a:pPr lvl="1">
+              <a:buFont typeface="Wingdings" pitchFamily="2" charset="2"/>
+              <a:buChar char="n"/>
+            </a:pPr>
+            <a:r>
+              <a:rPr lang="zh-TW" altLang="en-US" sz="1800" dirty="0" smtClean="0"/>
+              <a:t>承上題，在現有的</a:t>
+            </a:r>
+            <a:r>
+              <a:rPr lang="en-US" altLang="zh-TW" sz="1800" dirty="0" err="1" smtClean="0"/>
+              <a:t>DataTable</a:t>
+            </a:r>
+            <a:r>
+              <a:rPr lang="zh-TW" altLang="en-US" sz="1800" dirty="0" smtClean="0"/>
+              <a:t>中新增一個</a:t>
+            </a:r>
+            <a:r>
+              <a:rPr lang="en-US" altLang="zh-TW" sz="1800" dirty="0" smtClean="0"/>
+              <a:t>decimal</a:t>
+            </a:r>
+            <a:r>
+              <a:rPr lang="zh-TW" altLang="en-US" sz="1800" dirty="0" smtClean="0"/>
+              <a:t>欄位</a:t>
+            </a:r>
+            <a:r>
+              <a:rPr lang="en-US" altLang="zh-TW" sz="1800" dirty="0" smtClean="0"/>
+              <a:t>: </a:t>
+            </a:r>
+            <a:r>
+              <a:rPr lang="en-US" altLang="zh-TW" sz="1800" dirty="0" err="1" smtClean="0"/>
+              <a:t>TotalAmount</a:t>
+            </a:r>
+            <a:r>
+              <a:rPr lang="zh-TW" altLang="en-US" sz="1800" dirty="0" smtClean="0"/>
+              <a:t>，欄位值等於</a:t>
+            </a:r>
+            <a:r>
+              <a:rPr lang="en-US" altLang="zh-TW" sz="1800" dirty="0"/>
+              <a:t>Quantity * </a:t>
+            </a:r>
+            <a:r>
+              <a:rPr lang="en-US" altLang="zh-TW" sz="1800" dirty="0" err="1"/>
+              <a:t>UnitPrice</a:t>
+            </a:r>
+            <a:r>
+              <a:rPr lang="en-US" altLang="zh-TW" sz="1800" dirty="0"/>
+              <a:t> * (1 - Discount</a:t>
+            </a:r>
+            <a:r>
+              <a:rPr lang="en-US" altLang="zh-TW" sz="1800" dirty="0" smtClean="0"/>
+              <a:t>)</a:t>
+            </a:r>
+            <a:r>
+              <a:rPr lang="zh-TW" altLang="en-US" sz="1800" dirty="0" smtClean="0"/>
+              <a:t>，並逐筆印出資料</a:t>
+            </a:r>
+            <a:endParaRPr lang="en-US" altLang="zh-TW" sz="1800" dirty="0" smtClean="0"/>
+          </a:p>
+          <a:p>
+            <a:pPr lvl="1">
+              <a:buFont typeface="Wingdings" pitchFamily="2" charset="2"/>
+              <a:buChar char="n"/>
+            </a:pPr>
+            <a:r>
+              <a:rPr lang="zh-TW" altLang="en-US" sz="1800" dirty="0" smtClean="0"/>
+              <a:t>使用</a:t>
+            </a:r>
+            <a:r>
+              <a:rPr lang="en-US" altLang="zh-TW" sz="1800" dirty="0" err="1" smtClean="0"/>
+              <a:t>SqlParameter</a:t>
+            </a:r>
+            <a:r>
+              <a:rPr lang="zh-TW" altLang="en-US" sz="1800" dirty="0" smtClean="0"/>
+              <a:t>呼叫作業一的</a:t>
+            </a:r>
+            <a:r>
+              <a:rPr lang="en-US" altLang="zh-TW" sz="1800" dirty="0" smtClean="0"/>
+              <a:t>Store Procedure</a:t>
+            </a:r>
+            <a:r>
+              <a:rPr lang="zh-TW" altLang="en-US" sz="1800" dirty="0" smtClean="0"/>
+              <a:t>，並將結果存入</a:t>
+            </a:r>
+            <a:r>
+              <a:rPr lang="en-US" altLang="zh-TW" sz="1800" dirty="0" err="1" smtClean="0"/>
+              <a:t>DataTable</a:t>
+            </a:r>
+            <a:r>
+              <a:rPr lang="zh-TW" altLang="en-US" sz="1800" dirty="0" smtClean="0"/>
+              <a:t>後逐筆印出</a:t>
+            </a:r>
+            <a:endParaRPr lang="en-US" altLang="zh-TW" sz="1800" dirty="0" smtClean="0"/>
+          </a:p>
+          <a:p>
+            <a:pPr lvl="1">
+              <a:buFont typeface="Wingdings" pitchFamily="2" charset="2"/>
+              <a:buChar char="n"/>
+            </a:pPr>
+            <a:endParaRPr lang="en-US" altLang="zh-TW" sz="2000" dirty="0" smtClean="0"/>
+          </a:p>
+          <a:p>
+            <a:pPr>
+              <a:buFont typeface="Wingdings" pitchFamily="2" charset="2"/>
+              <a:buChar char="n"/>
+            </a:pPr>
+            <a:endParaRPr lang="en-US" altLang="zh-TW" sz="2000" dirty="0" smtClean="0"/>
+          </a:p>
+        </p:txBody>
+      </p:sp>
+    </p:spTree>
+    <p:extLst>
+      <p:ext uri="{BB962C8B-B14F-4D97-AF65-F5344CB8AC3E}">
+        <p14:creationId xmlns:p14="http://schemas.microsoft.com/office/powerpoint/2010/main" val="407351703"/>
+      </p:ext>
+    </p:extLst>
+  </p:cSld>
+  <p:clrMapOvr>
+    <a:masterClrMapping/>
+  </p:clrMapOvr>
+  <p:transition spd="slow">
+    <p:wipe dir="d"/>
+  </p:transition>
+  <p:timing>
+    <p:tnLst>
+      <p:par>
+        <p:cTn id="1" dur="indefinite" restart="never" nodeType="tmRoot"/>
+      </p:par>
+    </p:tnLst>
+  </p:timing>
+</p:sld>
+</file>
+
+<file path=ppt/slides/slide34.xml><?xml version="1.0" encoding="utf-8"?>
+<p:sld xmlns:a="http://schemas.openxmlformats.org/drawingml/2006/main" xmlns:r="http://schemas.openxmlformats.org/officeDocument/2006/relationships" xmlns:p="http://schemas.openxmlformats.org/presentationml/2006/main">
+  <p:cSld>
+    <p:spTree>
+      <p:nvGrpSpPr>
+        <p:cNvPr id="1" name=""/>
+        <p:cNvGrpSpPr/>
+        <p:nvPr/>
+      </p:nvGrpSpPr>
+      <p:grpSpPr>
+        <a:xfrm>
+          <a:off x="0" y="0"/>
+          <a:ext cx="0" cy="0"/>
+          <a:chOff x="0" y="0"/>
+          <a:chExt cx="0" cy="0"/>
+        </a:xfrm>
+      </p:grpSpPr>
+      <p:sp>
+        <p:nvSpPr>
           <p:cNvPr id="6" name="投影片編號版面配置區 3"/>
           <p:cNvSpPr txBox="1">
             <a:spLocks noGrp="1"/>
@@ -23068,7 +24189,7 @@
                 <a:buNone/>
                 <a:defRPr/>
               </a:pPr>
-              <a:t>32</a:t>
+              <a:t>34</a:t>
             </a:fld>
             <a:endParaRPr lang="en-US" altLang="zh-TW" sz="1400" b="0">
               <a:solidFill>

--- a/簡報及DB/資料庫程式開發概述.pptx
+++ b/簡報及DB/資料庫程式開發概述.pptx
@@ -5,10 +5,10 @@
     <p:sldMasterId id="2147483648" r:id="rId1"/>
   </p:sldMasterIdLst>
   <p:notesMasterIdLst>
-    <p:notesMasterId r:id="rId36"/>
+    <p:notesMasterId r:id="rId35"/>
   </p:notesMasterIdLst>
   <p:handoutMasterIdLst>
-    <p:handoutMasterId r:id="rId37"/>
+    <p:handoutMasterId r:id="rId36"/>
   </p:handoutMasterIdLst>
   <p:sldIdLst>
     <p:sldId id="259" r:id="rId2"/>
@@ -44,7 +44,6 @@
     <p:sldId id="286" r:id="rId32"/>
     <p:sldId id="291" r:id="rId33"/>
     <p:sldId id="292" r:id="rId34"/>
-    <p:sldId id="287" r:id="rId35"/>
   </p:sldIdLst>
   <p:sldSz cx="9144000" cy="6858000" type="screen4x3"/>
   <p:notesSz cx="6858000" cy="9144000"/>
@@ -181,7 +180,6 @@
             <p14:sldId id="286"/>
             <p14:sldId id="291"/>
             <p14:sldId id="292"/>
-            <p14:sldId id="287"/>
           </p14:sldIdLst>
         </p14:section>
       </p14:sectionLst>
@@ -3852,7 +3850,7 @@
             <a:fld id="{D83FDC75-7F73-4A4A-A77C-09AADF00E0EA}" type="datetimeFigureOut">
               <a:rPr lang="en-US" altLang="zh-TW" smtClean="0"/>
               <a:pPr/>
-              <a:t>2/25/2015</a:t>
+              <a:t>3/8/2015</a:t>
             </a:fld>
             <a:endParaRPr lang="zh-TW" dirty="0"/>
           </a:p>
@@ -10753,86 +10751,6 @@
                 <a:schemeClr val="tx1"/>
               </a:solidFill>
             </a:endParaRPr>
-          </a:p>
-        </p:txBody>
-      </p:sp>
-    </p:spTree>
-  </p:cSld>
-  <p:clrMapOvr>
-    <a:masterClrMapping/>
-  </p:clrMapOvr>
-</p:notes>
-</file>
-
-<file path=ppt/notesSlides/notesSlide33.xml><?xml version="1.0" encoding="utf-8"?>
-<p:notes xmlns:a="http://schemas.openxmlformats.org/drawingml/2006/main" xmlns:r="http://schemas.openxmlformats.org/officeDocument/2006/relationships" xmlns:p="http://schemas.openxmlformats.org/presentationml/2006/main">
-  <p:cSld>
-    <p:spTree>
-      <p:nvGrpSpPr>
-        <p:cNvPr id="1" name=""/>
-        <p:cNvGrpSpPr/>
-        <p:nvPr/>
-      </p:nvGrpSpPr>
-      <p:grpSpPr>
-        <a:xfrm>
-          <a:off x="0" y="0"/>
-          <a:ext cx="0" cy="0"/>
-          <a:chOff x="0" y="0"/>
-          <a:chExt cx="0" cy="0"/>
-        </a:xfrm>
-      </p:grpSpPr>
-      <p:sp>
-        <p:nvSpPr>
-          <p:cNvPr id="60418" name="Rectangle 2"/>
-          <p:cNvSpPr>
-            <a:spLocks noGrp="1" noRot="1" noChangeAspect="1" noChangeArrowheads="1" noTextEdit="1"/>
-          </p:cNvSpPr>
-          <p:nvPr>
-            <p:ph type="sldImg"/>
-          </p:nvPr>
-        </p:nvSpPr>
-        <p:spPr>
-          <a:ln/>
-        </p:spPr>
-      </p:sp>
-      <p:sp>
-        <p:nvSpPr>
-          <p:cNvPr id="60419" name="Rectangle 3"/>
-          <p:cNvSpPr>
-            <a:spLocks noGrp="1" noChangeArrowheads="1"/>
-          </p:cNvSpPr>
-          <p:nvPr>
-            <p:ph type="body" idx="1"/>
-          </p:nvPr>
-        </p:nvSpPr>
-        <p:spPr>
-          <a:noFill/>
-          <a:ln/>
-          <a:extLst>
-            <a:ext uri="{909E8E84-426E-40DD-AFC4-6F175D3DCCD1}">
-              <a14:hiddenFill xmlns:a14="http://schemas.microsoft.com/office/drawing/2010/main">
-                <a:solidFill>
-                  <a:srgbClr val="FFFFFF"/>
-                </a:solidFill>
-              </a14:hiddenFill>
-            </a:ext>
-            <a:ext uri="{91240B29-F687-4F45-9708-019B960494DF}">
-              <a14:hiddenLine xmlns:a14="http://schemas.microsoft.com/office/drawing/2010/main" w="9525">
-                <a:solidFill>
-                  <a:srgbClr val="000000"/>
-                </a:solidFill>
-                <a:miter lim="800000"/>
-                <a:headEnd/>
-                <a:tailEnd/>
-              </a14:hiddenLine>
-            </a:ext>
-          </a:extLst>
-        </p:spPr>
-        <p:txBody>
-          <a:bodyPr/>
-          <a:lstStyle/>
-          <a:p>
-            <a:endParaRPr lang="zh-TW" altLang="en-US" smtClean="0"/>
           </a:p>
         </p:txBody>
       </p:sp>
@@ -19757,64 +19675,6 @@
           </a:fontRef>
         </p:style>
       </p:cxnSp>
-      <p:sp>
-        <p:nvSpPr>
-          <p:cNvPr id="11" name="圓角矩形 10"/>
-          <p:cNvSpPr/>
-          <p:nvPr/>
-        </p:nvSpPr>
-        <p:spPr bwMode="auto">
-          <a:xfrm>
-            <a:off x="6318453" y="3573463"/>
-            <a:ext cx="204382" cy="847070"/>
-          </a:xfrm>
-          <a:prstGeom prst="roundRect">
-            <a:avLst/>
-          </a:prstGeom>
-          <a:noFill/>
-          <a:ln>
-            <a:prstDash val="dash"/>
-            <a:headEnd type="none" w="med" len="med"/>
-            <a:tailEnd type="none" w="med" len="med"/>
-          </a:ln>
-        </p:spPr>
-        <p:style>
-          <a:lnRef idx="2">
-            <a:schemeClr val="accent1"/>
-          </a:lnRef>
-          <a:fillRef idx="1">
-            <a:schemeClr val="lt1"/>
-          </a:fillRef>
-          <a:effectRef idx="0">
-            <a:schemeClr val="accent1"/>
-          </a:effectRef>
-          <a:fontRef idx="minor">
-            <a:schemeClr val="dk1"/>
-          </a:fontRef>
-        </p:style>
-        <p:txBody>
-          <a:bodyPr wrap="none">
-            <a:spAutoFit/>
-          </a:bodyPr>
-          <a:lstStyle/>
-          <a:p>
-            <a:pPr algn="ctr" eaLnBrk="1" hangingPunct="1">
-              <a:spcBef>
-                <a:spcPct val="0"/>
-              </a:spcBef>
-              <a:buFontTx/>
-              <a:buNone/>
-              <a:defRPr/>
-            </a:pPr>
-            <a:endParaRPr lang="zh-TW" altLang="en-US" sz="4800">
-              <a:solidFill>
-                <a:schemeClr val="tx1"/>
-              </a:solidFill>
-              <a:sym typeface="Wingdings 2" pitchFamily="18" charset="2"/>
-            </a:endParaRPr>
-          </a:p>
-        </p:txBody>
-      </p:sp>
     </p:spTree>
     <p:extLst>
       <p:ext uri="{BB962C8B-B14F-4D97-AF65-F5344CB8AC3E}">
@@ -24110,436 +23970,6 @@
   </p:clrMapOvr>
   <p:transition spd="slow">
     <p:wipe dir="d"/>
-  </p:transition>
-  <p:timing>
-    <p:tnLst>
-      <p:par>
-        <p:cTn id="1" dur="indefinite" restart="never" nodeType="tmRoot"/>
-      </p:par>
-    </p:tnLst>
-  </p:timing>
-</p:sld>
-</file>
-
-<file path=ppt/slides/slide34.xml><?xml version="1.0" encoding="utf-8"?>
-<p:sld xmlns:a="http://schemas.openxmlformats.org/drawingml/2006/main" xmlns:r="http://schemas.openxmlformats.org/officeDocument/2006/relationships" xmlns:p="http://schemas.openxmlformats.org/presentationml/2006/main">
-  <p:cSld>
-    <p:spTree>
-      <p:nvGrpSpPr>
-        <p:cNvPr id="1" name=""/>
-        <p:cNvGrpSpPr/>
-        <p:nvPr/>
-      </p:nvGrpSpPr>
-      <p:grpSpPr>
-        <a:xfrm>
-          <a:off x="0" y="0"/>
-          <a:ext cx="0" cy="0"/>
-          <a:chOff x="0" y="0"/>
-          <a:chExt cx="0" cy="0"/>
-        </a:xfrm>
-      </p:grpSpPr>
-      <p:sp>
-        <p:nvSpPr>
-          <p:cNvPr id="6" name="投影片編號版面配置區 3"/>
-          <p:cNvSpPr txBox="1">
-            <a:spLocks noGrp="1"/>
-          </p:cNvSpPr>
-          <p:nvPr/>
-        </p:nvSpPr>
-        <p:spPr bwMode="auto">
-          <a:xfrm>
-            <a:off x="6553200" y="6245225"/>
-            <a:ext cx="2133600" cy="476250"/>
-          </a:xfrm>
-          <a:prstGeom prst="rect">
-            <a:avLst/>
-          </a:prstGeom>
-          <a:noFill/>
-          <a:ln>
-            <a:miter lim="800000"/>
-            <a:headEnd/>
-            <a:tailEnd/>
-          </a:ln>
-        </p:spPr>
-        <p:txBody>
-          <a:bodyPr/>
-          <a:lstStyle/>
-          <a:p>
-            <a:pPr algn="r" eaLnBrk="1" hangingPunct="1">
-              <a:spcBef>
-                <a:spcPct val="0"/>
-              </a:spcBef>
-              <a:buFontTx/>
-              <a:buNone/>
-              <a:defRPr/>
-            </a:pPr>
-            <a:fld id="{116652AD-862F-4BFC-956B-3767DEFF339B}" type="slidenum">
-              <a:rPr lang="en-US" altLang="zh-TW" sz="1400" b="0">
-                <a:solidFill>
-                  <a:schemeClr val="tx1"/>
-                </a:solidFill>
-                <a:latin typeface="+mn-lt"/>
-                <a:ea typeface="+mn-ea"/>
-              </a:rPr>
-              <a:pPr algn="r" eaLnBrk="1" hangingPunct="1">
-                <a:spcBef>
-                  <a:spcPct val="0"/>
-                </a:spcBef>
-                <a:buFontTx/>
-                <a:buNone/>
-                <a:defRPr/>
-              </a:pPr>
-              <a:t>34</a:t>
-            </a:fld>
-            <a:endParaRPr lang="en-US" altLang="zh-TW" sz="1400" b="0">
-              <a:solidFill>
-                <a:schemeClr val="tx1"/>
-              </a:solidFill>
-              <a:latin typeface="+mn-lt"/>
-              <a:ea typeface="+mn-ea"/>
-            </a:endParaRPr>
-          </a:p>
-        </p:txBody>
-      </p:sp>
-      <p:sp>
-        <p:nvSpPr>
-          <p:cNvPr id="30724" name="Text Box 3"/>
-          <p:cNvSpPr txBox="1">
-            <a:spLocks noChangeArrowheads="1"/>
-          </p:cNvSpPr>
-          <p:nvPr/>
-        </p:nvSpPr>
-        <p:spPr bwMode="auto">
-          <a:xfrm>
-            <a:off x="396875" y="3213100"/>
-            <a:ext cx="7847013" cy="701675"/>
-          </a:xfrm>
-          <a:prstGeom prst="rect">
-            <a:avLst/>
-          </a:prstGeom>
-          <a:noFill/>
-          <a:ln>
-            <a:noFill/>
-          </a:ln>
-          <a:extLst>
-            <a:ext uri="{909E8E84-426E-40DD-AFC4-6F175D3DCCD1}">
-              <a14:hiddenFill xmlns:a14="http://schemas.microsoft.com/office/drawing/2010/main">
-                <a:solidFill>
-                  <a:srgbClr val="FFFFFF"/>
-                </a:solidFill>
-              </a14:hiddenFill>
-            </a:ext>
-            <a:ext uri="{91240B29-F687-4F45-9708-019B960494DF}">
-              <a14:hiddenLine xmlns:a14="http://schemas.microsoft.com/office/drawing/2010/main" w="9525">
-                <a:solidFill>
-                  <a:srgbClr val="000000"/>
-                </a:solidFill>
-                <a:miter lim="800000"/>
-                <a:headEnd/>
-                <a:tailEnd/>
-              </a14:hiddenLine>
-            </a:ext>
-          </a:extLst>
-        </p:spPr>
-        <p:txBody>
-          <a:bodyPr>
-            <a:spAutoFit/>
-          </a:bodyPr>
-          <a:lstStyle>
-            <a:lvl1pPr marL="1219200" indent="-1219200">
-              <a:defRPr kumimoji="1" sz="3200" b="1">
-                <a:solidFill>
-                  <a:schemeClr val="accent2"/>
-                </a:solidFill>
-                <a:latin typeface="Times New Roman" pitchFamily="18" charset="0"/>
-                <a:ea typeface="新細明體" pitchFamily="18" charset="-120"/>
-              </a:defRPr>
-            </a:lvl1pPr>
-            <a:lvl2pPr marL="742950" indent="-285750">
-              <a:defRPr kumimoji="1" sz="3200" b="1">
-                <a:solidFill>
-                  <a:schemeClr val="accent2"/>
-                </a:solidFill>
-                <a:latin typeface="Times New Roman" pitchFamily="18" charset="0"/>
-                <a:ea typeface="新細明體" pitchFamily="18" charset="-120"/>
-              </a:defRPr>
-            </a:lvl2pPr>
-            <a:lvl3pPr marL="1143000" indent="-228600">
-              <a:defRPr kumimoji="1" sz="3200" b="1">
-                <a:solidFill>
-                  <a:schemeClr val="accent2"/>
-                </a:solidFill>
-                <a:latin typeface="Times New Roman" pitchFamily="18" charset="0"/>
-                <a:ea typeface="新細明體" pitchFamily="18" charset="-120"/>
-              </a:defRPr>
-            </a:lvl3pPr>
-            <a:lvl4pPr marL="1600200" indent="-228600">
-              <a:defRPr kumimoji="1" sz="3200" b="1">
-                <a:solidFill>
-                  <a:schemeClr val="accent2"/>
-                </a:solidFill>
-                <a:latin typeface="Times New Roman" pitchFamily="18" charset="0"/>
-                <a:ea typeface="新細明體" pitchFamily="18" charset="-120"/>
-              </a:defRPr>
-            </a:lvl4pPr>
-            <a:lvl5pPr marL="2057400" indent="-228600">
-              <a:defRPr kumimoji="1" sz="3200" b="1">
-                <a:solidFill>
-                  <a:schemeClr val="accent2"/>
-                </a:solidFill>
-                <a:latin typeface="Times New Roman" pitchFamily="18" charset="0"/>
-                <a:ea typeface="新細明體" pitchFamily="18" charset="-120"/>
-              </a:defRPr>
-            </a:lvl5pPr>
-            <a:lvl6pPr marL="2514600" indent="-228600" eaLnBrk="0" fontAlgn="base" hangingPunct="0">
-              <a:spcBef>
-                <a:spcPct val="20000"/>
-              </a:spcBef>
-              <a:spcAft>
-                <a:spcPct val="0"/>
-              </a:spcAft>
-              <a:buFont typeface="Wingdings" pitchFamily="2" charset="2"/>
-              <a:buChar char="Ø"/>
-              <a:defRPr kumimoji="1" sz="3200" b="1">
-                <a:solidFill>
-                  <a:schemeClr val="accent2"/>
-                </a:solidFill>
-                <a:latin typeface="Times New Roman" pitchFamily="18" charset="0"/>
-                <a:ea typeface="新細明體" pitchFamily="18" charset="-120"/>
-              </a:defRPr>
-            </a:lvl6pPr>
-            <a:lvl7pPr marL="2971800" indent="-228600" eaLnBrk="0" fontAlgn="base" hangingPunct="0">
-              <a:spcBef>
-                <a:spcPct val="20000"/>
-              </a:spcBef>
-              <a:spcAft>
-                <a:spcPct val="0"/>
-              </a:spcAft>
-              <a:buFont typeface="Wingdings" pitchFamily="2" charset="2"/>
-              <a:buChar char="Ø"/>
-              <a:defRPr kumimoji="1" sz="3200" b="1">
-                <a:solidFill>
-                  <a:schemeClr val="accent2"/>
-                </a:solidFill>
-                <a:latin typeface="Times New Roman" pitchFamily="18" charset="0"/>
-                <a:ea typeface="新細明體" pitchFamily="18" charset="-120"/>
-              </a:defRPr>
-            </a:lvl7pPr>
-            <a:lvl8pPr marL="3429000" indent="-228600" eaLnBrk="0" fontAlgn="base" hangingPunct="0">
-              <a:spcBef>
-                <a:spcPct val="20000"/>
-              </a:spcBef>
-              <a:spcAft>
-                <a:spcPct val="0"/>
-              </a:spcAft>
-              <a:buFont typeface="Wingdings" pitchFamily="2" charset="2"/>
-              <a:buChar char="Ø"/>
-              <a:defRPr kumimoji="1" sz="3200" b="1">
-                <a:solidFill>
-                  <a:schemeClr val="accent2"/>
-                </a:solidFill>
-                <a:latin typeface="Times New Roman" pitchFamily="18" charset="0"/>
-                <a:ea typeface="新細明體" pitchFamily="18" charset="-120"/>
-              </a:defRPr>
-            </a:lvl8pPr>
-            <a:lvl9pPr marL="3886200" indent="-228600" eaLnBrk="0" fontAlgn="base" hangingPunct="0">
-              <a:spcBef>
-                <a:spcPct val="20000"/>
-              </a:spcBef>
-              <a:spcAft>
-                <a:spcPct val="0"/>
-              </a:spcAft>
-              <a:buFont typeface="Wingdings" pitchFamily="2" charset="2"/>
-              <a:buChar char="Ø"/>
-              <a:defRPr kumimoji="1" sz="3200" b="1">
-                <a:solidFill>
-                  <a:schemeClr val="accent2"/>
-                </a:solidFill>
-                <a:latin typeface="Times New Roman" pitchFamily="18" charset="0"/>
-                <a:ea typeface="新細明體" pitchFamily="18" charset="-120"/>
-              </a:defRPr>
-            </a:lvl9pPr>
-          </a:lstStyle>
-          <a:p>
-            <a:pPr algn="ctr">
-              <a:buFont typeface="Wingdings" pitchFamily="2" charset="2"/>
-              <a:buNone/>
-            </a:pPr>
-            <a:r>
-              <a:rPr lang="en-US" altLang="zh-TW" sz="4000" b="0">
-                <a:solidFill>
-                  <a:schemeClr val="bg1"/>
-                </a:solidFill>
-                <a:sym typeface="Wingdings 2" pitchFamily="18" charset="2"/>
-              </a:rPr>
-              <a:t>Q &amp; A</a:t>
-            </a:r>
-            <a:endParaRPr lang="en-US" altLang="zh-TW" sz="4000" b="0">
-              <a:solidFill>
-                <a:schemeClr val="bg1"/>
-              </a:solidFill>
-              <a:ea typeface="標楷體" pitchFamily="65" charset="-120"/>
-              <a:sym typeface="Wingdings 2" pitchFamily="18" charset="2"/>
-            </a:endParaRPr>
-          </a:p>
-        </p:txBody>
-      </p:sp>
-      <p:sp>
-        <p:nvSpPr>
-          <p:cNvPr id="5" name="Text Box 6"/>
-          <p:cNvSpPr txBox="1">
-            <a:spLocks noChangeArrowheads="1"/>
-          </p:cNvSpPr>
-          <p:nvPr/>
-        </p:nvSpPr>
-        <p:spPr bwMode="auto">
-          <a:xfrm>
-            <a:off x="1547814" y="3142523"/>
-            <a:ext cx="6048375" cy="823722"/>
-          </a:xfrm>
-          <a:prstGeom prst="rect">
-            <a:avLst/>
-          </a:prstGeom>
-          <a:noFill/>
-          <a:ln>
-            <a:noFill/>
-          </a:ln>
-          <a:extLst>
-            <a:ext uri="{909E8E84-426E-40DD-AFC4-6F175D3DCCD1}">
-              <a14:hiddenFill xmlns:a14="http://schemas.microsoft.com/office/drawing/2010/main">
-                <a:solidFill>
-                  <a:srgbClr val="FFFFFF"/>
-                </a:solidFill>
-              </a14:hiddenFill>
-            </a:ext>
-            <a:ext uri="{91240B29-F687-4F45-9708-019B960494DF}">
-              <a14:hiddenLine xmlns:a14="http://schemas.microsoft.com/office/drawing/2010/main" w="9525">
-                <a:solidFill>
-                  <a:srgbClr val="000000"/>
-                </a:solidFill>
-                <a:miter lim="800000"/>
-                <a:headEnd/>
-                <a:tailEnd/>
-              </a14:hiddenLine>
-            </a:ext>
-          </a:extLst>
-        </p:spPr>
-        <p:txBody>
-          <a:bodyPr>
-            <a:spAutoFit/>
-          </a:bodyPr>
-          <a:lstStyle>
-            <a:lvl1pPr>
-              <a:defRPr kumimoji="1">
-                <a:solidFill>
-                  <a:schemeClr val="tx1"/>
-                </a:solidFill>
-                <a:latin typeface="標楷體" pitchFamily="65" charset="-120"/>
-                <a:ea typeface="標楷體" pitchFamily="65" charset="-120"/>
-              </a:defRPr>
-            </a:lvl1pPr>
-            <a:lvl2pPr>
-              <a:defRPr kumimoji="1" sz="2800">
-                <a:solidFill>
-                  <a:schemeClr val="tx1"/>
-                </a:solidFill>
-                <a:latin typeface="標楷體" pitchFamily="65" charset="-120"/>
-                <a:ea typeface="標楷體" pitchFamily="65" charset="-120"/>
-              </a:defRPr>
-            </a:lvl2pPr>
-            <a:lvl3pPr>
-              <a:defRPr kumimoji="1" sz="2400">
-                <a:solidFill>
-                  <a:schemeClr val="tx1"/>
-                </a:solidFill>
-                <a:latin typeface="標楷體" pitchFamily="65" charset="-120"/>
-                <a:ea typeface="標楷體" pitchFamily="65" charset="-120"/>
-              </a:defRPr>
-            </a:lvl3pPr>
-            <a:lvl4pPr>
-              <a:defRPr kumimoji="1" sz="2000">
-                <a:solidFill>
-                  <a:schemeClr val="tx1"/>
-                </a:solidFill>
-                <a:latin typeface="標楷體" pitchFamily="65" charset="-120"/>
-                <a:ea typeface="標楷體" pitchFamily="65" charset="-120"/>
-              </a:defRPr>
-            </a:lvl4pPr>
-            <a:lvl5pPr>
-              <a:defRPr kumimoji="1" sz="2000">
-                <a:solidFill>
-                  <a:schemeClr val="tx1"/>
-                </a:solidFill>
-                <a:latin typeface="標楷體" pitchFamily="65" charset="-120"/>
-                <a:ea typeface="標楷體" pitchFamily="65" charset="-120"/>
-              </a:defRPr>
-            </a:lvl5pPr>
-            <a:lvl6pPr eaLnBrk="0" hangingPunct="0">
-              <a:defRPr kumimoji="1" sz="2000">
-                <a:solidFill>
-                  <a:schemeClr val="tx1"/>
-                </a:solidFill>
-                <a:latin typeface="標楷體" pitchFamily="65" charset="-120"/>
-                <a:ea typeface="標楷體" pitchFamily="65" charset="-120"/>
-              </a:defRPr>
-            </a:lvl6pPr>
-            <a:lvl7pPr eaLnBrk="0" hangingPunct="0">
-              <a:defRPr kumimoji="1" sz="2000">
-                <a:solidFill>
-                  <a:schemeClr val="tx1"/>
-                </a:solidFill>
-                <a:latin typeface="標楷體" pitchFamily="65" charset="-120"/>
-                <a:ea typeface="標楷體" pitchFamily="65" charset="-120"/>
-              </a:defRPr>
-            </a:lvl7pPr>
-            <a:lvl8pPr eaLnBrk="0" hangingPunct="0">
-              <a:defRPr kumimoji="1" sz="2000">
-                <a:solidFill>
-                  <a:schemeClr val="tx1"/>
-                </a:solidFill>
-                <a:latin typeface="標楷體" pitchFamily="65" charset="-120"/>
-                <a:ea typeface="標楷體" pitchFamily="65" charset="-120"/>
-              </a:defRPr>
-            </a:lvl8pPr>
-            <a:lvl9pPr eaLnBrk="0" hangingPunct="0">
-              <a:defRPr kumimoji="1" sz="2000">
-                <a:solidFill>
-                  <a:schemeClr val="tx1"/>
-                </a:solidFill>
-                <a:latin typeface="標楷體" pitchFamily="65" charset="-120"/>
-                <a:ea typeface="標楷體" pitchFamily="65" charset="-120"/>
-              </a:defRPr>
-            </a:lvl9pPr>
-          </a:lstStyle>
-          <a:p>
-            <a:pPr algn="ctr">
-              <a:spcBef>
-                <a:spcPct val="30000"/>
-              </a:spcBef>
-            </a:pPr>
-            <a:r>
-              <a:rPr lang="zh-TW" altLang="en-US" sz="4800" b="1" u="none">
-                <a:solidFill>
-                  <a:srgbClr val="4D4D4D"/>
-                </a:solidFill>
-              </a:rPr>
-              <a:t>報告完畢，謝謝指教</a:t>
-            </a:r>
-          </a:p>
-        </p:txBody>
-      </p:sp>
-    </p:spTree>
-    <p:extLst>
-      <p:ext uri="{BB962C8B-B14F-4D97-AF65-F5344CB8AC3E}">
-        <p14:creationId xmlns:p14="http://schemas.microsoft.com/office/powerpoint/2010/main" val="3981691151"/>
-      </p:ext>
-    </p:extLst>
-  </p:cSld>
-  <p:clrMapOvr>
-    <a:masterClrMapping/>
-  </p:clrMapOvr>
-  <p:transition>
-    <p:fade thruBlk="1"/>
   </p:transition>
   <p:timing>
     <p:tnLst>
